--- a/Bootstrap/Bootstrap_Notes.pptx
+++ b/Bootstrap/Bootstrap_Notes.pptx
@@ -28,6 +28,9 @@
     <p:sldId id="276" r:id="rId22"/>
     <p:sldId id="277" r:id="rId23"/>
     <p:sldId id="278" r:id="rId24"/>
+    <p:sldId id="279" r:id="rId25"/>
+    <p:sldId id="280" r:id="rId26"/>
+    <p:sldId id="281" r:id="rId27"/>
   </p:sldIdLst>
   <p:sldSz cx="9144000" cy="6858000" type="screen4x3"/>
   <p:notesSz cx="6858000" cy="9144000"/>
@@ -311,7 +314,7 @@
             <a:fld id="{1D8BD707-D9CF-40AE-B4C6-C98DA3205C09}" type="datetimeFigureOut">
               <a:rPr lang="en-US" smtClean="0"/>
               <a:pPr/>
-              <a:t>11/3/2023</a:t>
+              <a:t>11/4/2023</a:t>
             </a:fld>
             <a:endParaRPr lang="en-US"/>
           </a:p>
@@ -478,7 +481,7 @@
             <a:fld id="{1D8BD707-D9CF-40AE-B4C6-C98DA3205C09}" type="datetimeFigureOut">
               <a:rPr lang="en-US" smtClean="0"/>
               <a:pPr/>
-              <a:t>11/3/2023</a:t>
+              <a:t>11/4/2023</a:t>
             </a:fld>
             <a:endParaRPr lang="en-US"/>
           </a:p>
@@ -655,7 +658,7 @@
             <a:fld id="{1D8BD707-D9CF-40AE-B4C6-C98DA3205C09}" type="datetimeFigureOut">
               <a:rPr lang="en-US" smtClean="0"/>
               <a:pPr/>
-              <a:t>11/3/2023</a:t>
+              <a:t>11/4/2023</a:t>
             </a:fld>
             <a:endParaRPr lang="en-US"/>
           </a:p>
@@ -822,7 +825,7 @@
             <a:fld id="{1D8BD707-D9CF-40AE-B4C6-C98DA3205C09}" type="datetimeFigureOut">
               <a:rPr lang="en-US" smtClean="0"/>
               <a:pPr/>
-              <a:t>11/3/2023</a:t>
+              <a:t>11/4/2023</a:t>
             </a:fld>
             <a:endParaRPr lang="en-US"/>
           </a:p>
@@ -1065,7 +1068,7 @@
             <a:fld id="{1D8BD707-D9CF-40AE-B4C6-C98DA3205C09}" type="datetimeFigureOut">
               <a:rPr lang="en-US" smtClean="0"/>
               <a:pPr/>
-              <a:t>11/3/2023</a:t>
+              <a:t>11/4/2023</a:t>
             </a:fld>
             <a:endParaRPr lang="en-US"/>
           </a:p>
@@ -1350,7 +1353,7 @@
             <a:fld id="{1D8BD707-D9CF-40AE-B4C6-C98DA3205C09}" type="datetimeFigureOut">
               <a:rPr lang="en-US" smtClean="0"/>
               <a:pPr/>
-              <a:t>11/3/2023</a:t>
+              <a:t>11/4/2023</a:t>
             </a:fld>
             <a:endParaRPr lang="en-US"/>
           </a:p>
@@ -1769,7 +1772,7 @@
             <a:fld id="{1D8BD707-D9CF-40AE-B4C6-C98DA3205C09}" type="datetimeFigureOut">
               <a:rPr lang="en-US" smtClean="0"/>
               <a:pPr/>
-              <a:t>11/3/2023</a:t>
+              <a:t>11/4/2023</a:t>
             </a:fld>
             <a:endParaRPr lang="en-US"/>
           </a:p>
@@ -1884,7 +1887,7 @@
             <a:fld id="{1D8BD707-D9CF-40AE-B4C6-C98DA3205C09}" type="datetimeFigureOut">
               <a:rPr lang="en-US" smtClean="0"/>
               <a:pPr/>
-              <a:t>11/3/2023</a:t>
+              <a:t>11/4/2023</a:t>
             </a:fld>
             <a:endParaRPr lang="en-US"/>
           </a:p>
@@ -1976,7 +1979,7 @@
             <a:fld id="{1D8BD707-D9CF-40AE-B4C6-C98DA3205C09}" type="datetimeFigureOut">
               <a:rPr lang="en-US" smtClean="0"/>
               <a:pPr/>
-              <a:t>11/3/2023</a:t>
+              <a:t>11/4/2023</a:t>
             </a:fld>
             <a:endParaRPr lang="en-US"/>
           </a:p>
@@ -2250,7 +2253,7 @@
             <a:fld id="{1D8BD707-D9CF-40AE-B4C6-C98DA3205C09}" type="datetimeFigureOut">
               <a:rPr lang="en-US" smtClean="0"/>
               <a:pPr/>
-              <a:t>11/3/2023</a:t>
+              <a:t>11/4/2023</a:t>
             </a:fld>
             <a:endParaRPr lang="en-US"/>
           </a:p>
@@ -2500,7 +2503,7 @@
             <a:fld id="{1D8BD707-D9CF-40AE-B4C6-C98DA3205C09}" type="datetimeFigureOut">
               <a:rPr lang="en-US" smtClean="0"/>
               <a:pPr/>
-              <a:t>11/3/2023</a:t>
+              <a:t>11/4/2023</a:t>
             </a:fld>
             <a:endParaRPr lang="en-US"/>
           </a:p>
@@ -2710,7 +2713,7 @@
             <a:fld id="{1D8BD707-D9CF-40AE-B4C6-C98DA3205C09}" type="datetimeFigureOut">
               <a:rPr lang="en-US" smtClean="0"/>
               <a:pPr/>
-              <a:t>11/3/2023</a:t>
+              <a:t>11/4/2023</a:t>
             </a:fld>
             <a:endParaRPr lang="en-US"/>
           </a:p>
@@ -6522,6 +6525,339 @@
 </p:sld>
 </file>
 
+<file path=ppt/slides/slide24.xml><?xml version="1.0" encoding="utf-8"?>
+<p:sld xmlns:a="http://schemas.openxmlformats.org/drawingml/2006/main" xmlns:r="http://schemas.openxmlformats.org/officeDocument/2006/relationships" xmlns:p="http://schemas.openxmlformats.org/presentationml/2006/main">
+  <p:cSld>
+    <p:spTree>
+      <p:nvGrpSpPr>
+        <p:cNvPr id="1" name=""/>
+        <p:cNvGrpSpPr/>
+        <p:nvPr/>
+      </p:nvGrpSpPr>
+      <p:grpSpPr>
+        <a:xfrm>
+          <a:off x="0" y="0"/>
+          <a:ext cx="0" cy="0"/>
+          <a:chOff x="0" y="0"/>
+          <a:chExt cx="0" cy="0"/>
+        </a:xfrm>
+      </p:grpSpPr>
+      <p:sp>
+        <p:nvSpPr>
+          <p:cNvPr id="2" name="TextBox 1"/>
+          <p:cNvSpPr txBox="1"/>
+          <p:nvPr/>
+        </p:nvSpPr>
+        <p:spPr>
+          <a:xfrm>
+            <a:off x="457200" y="228600"/>
+            <a:ext cx="7772400" cy="461665"/>
+          </a:xfrm>
+          <a:prstGeom prst="rect">
+            <a:avLst/>
+          </a:prstGeom>
+          <a:noFill/>
+        </p:spPr>
+        <p:txBody>
+          <a:bodyPr wrap="square" rtlCol="0">
+            <a:spAutoFit/>
+          </a:bodyPr>
+          <a:lstStyle/>
+          <a:p>
+            <a:r>
+              <a:rPr lang="en-IN" sz="2400" b="1" dirty="0" smtClean="0"/>
+              <a:t>Adjust Width by Device</a:t>
+            </a:r>
+            <a:endParaRPr lang="en-IN" sz="2400" b="1" dirty="0"/>
+          </a:p>
+        </p:txBody>
+      </p:sp>
+      <p:sp>
+        <p:nvSpPr>
+          <p:cNvPr id="3" name="TextBox 2"/>
+          <p:cNvSpPr txBox="1"/>
+          <p:nvPr/>
+        </p:nvSpPr>
+        <p:spPr>
+          <a:xfrm>
+            <a:off x="609600" y="1371600"/>
+            <a:ext cx="6477000" cy="2031325"/>
+          </a:xfrm>
+          <a:prstGeom prst="rect">
+            <a:avLst/>
+          </a:prstGeom>
+          <a:noFill/>
+        </p:spPr>
+        <p:txBody>
+          <a:bodyPr wrap="square" rtlCol="0">
+            <a:spAutoFit/>
+          </a:bodyPr>
+          <a:lstStyle/>
+          <a:p>
+            <a:r>
+              <a:rPr lang="en-IN" dirty="0" err="1"/>
+              <a:t>s</a:t>
+            </a:r>
+            <a:r>
+              <a:rPr lang="en-IN" dirty="0" err="1" smtClean="0"/>
+              <a:t>m</a:t>
+            </a:r>
+            <a:r>
+              <a:rPr lang="en-IN" dirty="0" smtClean="0"/>
+              <a:t>	-	Small Device</a:t>
+            </a:r>
+          </a:p>
+          <a:p>
+            <a:endParaRPr lang="en-IN" dirty="0"/>
+          </a:p>
+          <a:p>
+            <a:r>
+              <a:rPr lang="en-IN" dirty="0"/>
+              <a:t>m</a:t>
+            </a:r>
+            <a:r>
+              <a:rPr lang="en-IN" dirty="0" smtClean="0"/>
+              <a:t>d	-	Medium Device</a:t>
+            </a:r>
+          </a:p>
+          <a:p>
+            <a:endParaRPr lang="en-IN" dirty="0"/>
+          </a:p>
+          <a:p>
+            <a:r>
+              <a:rPr lang="en-IN" dirty="0" err="1"/>
+              <a:t>l</a:t>
+            </a:r>
+            <a:r>
+              <a:rPr lang="en-IN" dirty="0" err="1" smtClean="0"/>
+              <a:t>g</a:t>
+            </a:r>
+            <a:r>
+              <a:rPr lang="en-IN" dirty="0"/>
+              <a:t>	</a:t>
+            </a:r>
+            <a:r>
+              <a:rPr lang="en-IN" dirty="0" smtClean="0"/>
+              <a:t>-	Large Device</a:t>
+            </a:r>
+          </a:p>
+          <a:p>
+            <a:endParaRPr lang="en-IN" dirty="0"/>
+          </a:p>
+          <a:p>
+            <a:r>
+              <a:rPr lang="en-IN" dirty="0"/>
+              <a:t>x</a:t>
+            </a:r>
+            <a:r>
+              <a:rPr lang="en-IN" dirty="0" smtClean="0"/>
+              <a:t>l	-	Extra Large Device</a:t>
+            </a:r>
+            <a:endParaRPr lang="en-IN" dirty="0"/>
+          </a:p>
+        </p:txBody>
+      </p:sp>
+    </p:spTree>
+    <p:extLst>
+      <p:ext uri="{BB962C8B-B14F-4D97-AF65-F5344CB8AC3E}">
+        <p14:creationId xmlns:p14="http://schemas.microsoft.com/office/powerpoint/2010/main" val="2475868457"/>
+      </p:ext>
+    </p:extLst>
+  </p:cSld>
+  <p:clrMapOvr>
+    <a:masterClrMapping/>
+  </p:clrMapOvr>
+</p:sld>
+</file>
+
+<file path=ppt/slides/slide25.xml><?xml version="1.0" encoding="utf-8"?>
+<p:sld xmlns:a="http://schemas.openxmlformats.org/drawingml/2006/main" xmlns:r="http://schemas.openxmlformats.org/officeDocument/2006/relationships" xmlns:p="http://schemas.openxmlformats.org/presentationml/2006/main">
+  <p:cSld>
+    <p:spTree>
+      <p:nvGrpSpPr>
+        <p:cNvPr id="1" name=""/>
+        <p:cNvGrpSpPr/>
+        <p:nvPr/>
+      </p:nvGrpSpPr>
+      <p:grpSpPr>
+        <a:xfrm>
+          <a:off x="0" y="0"/>
+          <a:ext cx="0" cy="0"/>
+          <a:chOff x="0" y="0"/>
+          <a:chExt cx="0" cy="0"/>
+        </a:xfrm>
+      </p:grpSpPr>
+      <p:pic>
+        <p:nvPicPr>
+          <p:cNvPr id="1026" name="Picture 2"/>
+          <p:cNvPicPr>
+            <a:picLocks noChangeAspect="1" noChangeArrowheads="1"/>
+          </p:cNvPicPr>
+          <p:nvPr/>
+        </p:nvPicPr>
+        <p:blipFill>
+          <a:blip r:embed="rId2">
+            <a:extLst>
+              <a:ext uri="{28A0092B-C50C-407E-A947-70E740481C1C}">
+                <a14:useLocalDpi xmlns:a14="http://schemas.microsoft.com/office/drawing/2010/main" val="0"/>
+              </a:ext>
+            </a:extLst>
+          </a:blip>
+          <a:srcRect/>
+          <a:stretch>
+            <a:fillRect/>
+          </a:stretch>
+        </p:blipFill>
+        <p:spPr bwMode="auto">
+          <a:xfrm>
+            <a:off x="304800" y="685800"/>
+            <a:ext cx="8524672" cy="5715000"/>
+          </a:xfrm>
+          <a:prstGeom prst="rect">
+            <a:avLst/>
+          </a:prstGeom>
+          <a:noFill/>
+          <a:ln>
+            <a:noFill/>
+          </a:ln>
+          <a:effectLst/>
+          <a:extLst>
+            <a:ext uri="{909E8E84-426E-40DD-AFC4-6F175D3DCCD1}">
+              <a14:hiddenFill xmlns:a14="http://schemas.microsoft.com/office/drawing/2010/main">
+                <a:solidFill>
+                  <a:schemeClr val="accent1"/>
+                </a:solidFill>
+              </a14:hiddenFill>
+            </a:ext>
+            <a:ext uri="{91240B29-F687-4F45-9708-019B960494DF}">
+              <a14:hiddenLine xmlns:a14="http://schemas.microsoft.com/office/drawing/2010/main" w="9525">
+                <a:solidFill>
+                  <a:schemeClr val="tx1"/>
+                </a:solidFill>
+                <a:miter lim="800000"/>
+                <a:headEnd/>
+                <a:tailEnd/>
+              </a14:hiddenLine>
+            </a:ext>
+            <a:ext uri="{AF507438-7753-43E0-B8FC-AC1667EBCBE1}">
+              <a14:hiddenEffects xmlns:a14="http://schemas.microsoft.com/office/drawing/2010/main">
+                <a:effectLst>
+                  <a:outerShdw dist="35921" dir="2700000" algn="ctr" rotWithShape="0">
+                    <a:schemeClr val="bg2"/>
+                  </a:outerShdw>
+                </a:effectLst>
+              </a14:hiddenEffects>
+            </a:ext>
+          </a:extLst>
+        </p:spPr>
+      </p:pic>
+    </p:spTree>
+    <p:extLst>
+      <p:ext uri="{BB962C8B-B14F-4D97-AF65-F5344CB8AC3E}">
+        <p14:creationId xmlns:p14="http://schemas.microsoft.com/office/powerpoint/2010/main" val="2661574840"/>
+      </p:ext>
+    </p:extLst>
+  </p:cSld>
+  <p:clrMapOvr>
+    <a:masterClrMapping/>
+  </p:clrMapOvr>
+</p:sld>
+</file>
+
+<file path=ppt/slides/slide26.xml><?xml version="1.0" encoding="utf-8"?>
+<p:sld xmlns:a="http://schemas.openxmlformats.org/drawingml/2006/main" xmlns:r="http://schemas.openxmlformats.org/officeDocument/2006/relationships" xmlns:p="http://schemas.openxmlformats.org/presentationml/2006/main">
+  <p:cSld>
+    <p:spTree>
+      <p:nvGrpSpPr>
+        <p:cNvPr id="1" name=""/>
+        <p:cNvGrpSpPr/>
+        <p:nvPr/>
+      </p:nvGrpSpPr>
+      <p:grpSpPr>
+        <a:xfrm>
+          <a:off x="0" y="0"/>
+          <a:ext cx="0" cy="0"/>
+          <a:chOff x="0" y="0"/>
+          <a:chExt cx="0" cy="0"/>
+        </a:xfrm>
+      </p:grpSpPr>
+      <p:pic>
+        <p:nvPicPr>
+          <p:cNvPr id="2050" name="Picture 2"/>
+          <p:cNvPicPr>
+            <a:picLocks noChangeAspect="1" noChangeArrowheads="1"/>
+          </p:cNvPicPr>
+          <p:nvPr/>
+        </p:nvPicPr>
+        <p:blipFill>
+          <a:blip r:embed="rId2">
+            <a:extLst>
+              <a:ext uri="{28A0092B-C50C-407E-A947-70E740481C1C}">
+                <a14:useLocalDpi xmlns:a14="http://schemas.microsoft.com/office/drawing/2010/main" val="0"/>
+              </a:ext>
+            </a:extLst>
+          </a:blip>
+          <a:srcRect/>
+          <a:stretch>
+            <a:fillRect/>
+          </a:stretch>
+        </p:blipFill>
+        <p:spPr bwMode="auto">
+          <a:xfrm>
+            <a:off x="50800" y="406400"/>
+            <a:ext cx="9040813" cy="6049963"/>
+          </a:xfrm>
+          <a:prstGeom prst="rect">
+            <a:avLst/>
+          </a:prstGeom>
+          <a:noFill/>
+          <a:ln>
+            <a:noFill/>
+          </a:ln>
+          <a:effectLst/>
+          <a:extLst>
+            <a:ext uri="{909E8E84-426E-40DD-AFC4-6F175D3DCCD1}">
+              <a14:hiddenFill xmlns:a14="http://schemas.microsoft.com/office/drawing/2010/main">
+                <a:solidFill>
+                  <a:schemeClr val="accent1"/>
+                </a:solidFill>
+              </a14:hiddenFill>
+            </a:ext>
+            <a:ext uri="{91240B29-F687-4F45-9708-019B960494DF}">
+              <a14:hiddenLine xmlns:a14="http://schemas.microsoft.com/office/drawing/2010/main" w="9525">
+                <a:solidFill>
+                  <a:schemeClr val="tx1"/>
+                </a:solidFill>
+                <a:miter lim="800000"/>
+                <a:headEnd/>
+                <a:tailEnd/>
+              </a14:hiddenLine>
+            </a:ext>
+            <a:ext uri="{AF507438-7753-43E0-B8FC-AC1667EBCBE1}">
+              <a14:hiddenEffects xmlns:a14="http://schemas.microsoft.com/office/drawing/2010/main">
+                <a:effectLst>
+                  <a:outerShdw dist="35921" dir="2700000" algn="ctr" rotWithShape="0">
+                    <a:schemeClr val="bg2"/>
+                  </a:outerShdw>
+                </a:effectLst>
+              </a14:hiddenEffects>
+            </a:ext>
+          </a:extLst>
+        </p:spPr>
+      </p:pic>
+    </p:spTree>
+    <p:extLst>
+      <p:ext uri="{BB962C8B-B14F-4D97-AF65-F5344CB8AC3E}">
+        <p14:creationId xmlns:p14="http://schemas.microsoft.com/office/powerpoint/2010/main" val="102416364"/>
+      </p:ext>
+    </p:extLst>
+  </p:cSld>
+  <p:clrMapOvr>
+    <a:masterClrMapping/>
+  </p:clrMapOvr>
+</p:sld>
+</file>
+
 <file path=ppt/slides/slide3.xml><?xml version="1.0" encoding="utf-8"?>
 <p:sld xmlns:a="http://schemas.openxmlformats.org/drawingml/2006/main" xmlns:r="http://schemas.openxmlformats.org/officeDocument/2006/relationships" xmlns:p="http://schemas.openxmlformats.org/presentationml/2006/main">
   <p:cSld>

--- a/Bootstrap/Bootstrap_Notes.pptx
+++ b/Bootstrap/Bootstrap_Notes.pptx
@@ -129,6 +129,22 @@
       </a:defRPr>
     </a:lvl9pPr>
   </p:defaultTextStyle>
+  <p:extLst>
+    <p:ext uri="{EFAFB233-063F-42B5-8137-9DF3F51BA10A}">
+      <p15:sldGuideLst xmlns:p15="http://schemas.microsoft.com/office/powerpoint/2012/main">
+        <p15:guide id="1" orient="horz" pos="2160">
+          <p15:clr>
+            <a:srgbClr val="A4A3A4"/>
+          </p15:clr>
+        </p15:guide>
+        <p15:guide id="2" pos="2880">
+          <p15:clr>
+            <a:srgbClr val="A4A3A4"/>
+          </p15:clr>
+        </p15:guide>
+      </p15:sldGuideLst>
+    </p:ext>
+  </p:extLst>
 </p:presentation>
 </file>
 
@@ -170,10 +186,9 @@
           <a:lstStyle/>
           <a:p>
             <a:r>
-              <a:rPr lang="en-US" smtClean="0"/>
+              <a:rPr lang="en-US"/>
               <a:t>Click to edit Master title style</a:t>
             </a:r>
-            <a:endParaRPr lang="en-US"/>
           </a:p>
         </p:txBody>
       </p:sp>
@@ -289,10 +304,9 @@
           </a:lstStyle>
           <a:p>
             <a:r>
-              <a:rPr lang="en-US" smtClean="0"/>
+              <a:rPr lang="en-US"/>
               <a:t>Click to edit Master subtitle style</a:t>
             </a:r>
-            <a:endParaRPr lang="en-US"/>
           </a:p>
         </p:txBody>
       </p:sp>
@@ -314,7 +328,7 @@
             <a:fld id="{1D8BD707-D9CF-40AE-B4C6-C98DA3205C09}" type="datetimeFigureOut">
               <a:rPr lang="en-US" smtClean="0"/>
               <a:pPr/>
-              <a:t>11/4/2023</a:t>
+              <a:t>11/5/2023</a:t>
             </a:fld>
             <a:endParaRPr lang="en-US"/>
           </a:p>
@@ -404,10 +418,9 @@
           <a:lstStyle/>
           <a:p>
             <a:r>
-              <a:rPr lang="en-US" smtClean="0"/>
+              <a:rPr lang="en-US"/>
               <a:t>Click to edit Master title style</a:t>
             </a:r>
-            <a:endParaRPr lang="en-US"/>
           </a:p>
         </p:txBody>
       </p:sp>
@@ -428,38 +441,37 @@
           <a:p>
             <a:pPr lvl="0"/>
             <a:r>
-              <a:rPr lang="en-US" smtClean="0"/>
+              <a:rPr lang="en-US"/>
               <a:t>Click to edit Master text styles</a:t>
             </a:r>
           </a:p>
           <a:p>
             <a:pPr lvl="1"/>
             <a:r>
-              <a:rPr lang="en-US" smtClean="0"/>
+              <a:rPr lang="en-US"/>
               <a:t>Second level</a:t>
             </a:r>
           </a:p>
           <a:p>
             <a:pPr lvl="2"/>
             <a:r>
-              <a:rPr lang="en-US" smtClean="0"/>
+              <a:rPr lang="en-US"/>
               <a:t>Third level</a:t>
             </a:r>
           </a:p>
           <a:p>
             <a:pPr lvl="3"/>
             <a:r>
-              <a:rPr lang="en-US" smtClean="0"/>
+              <a:rPr lang="en-US"/>
               <a:t>Fourth level</a:t>
             </a:r>
           </a:p>
           <a:p>
             <a:pPr lvl="4"/>
             <a:r>
-              <a:rPr lang="en-US" smtClean="0"/>
+              <a:rPr lang="en-US"/>
               <a:t>Fifth level</a:t>
             </a:r>
-            <a:endParaRPr lang="en-US"/>
           </a:p>
         </p:txBody>
       </p:sp>
@@ -481,7 +493,7 @@
             <a:fld id="{1D8BD707-D9CF-40AE-B4C6-C98DA3205C09}" type="datetimeFigureOut">
               <a:rPr lang="en-US" smtClean="0"/>
               <a:pPr/>
-              <a:t>11/4/2023</a:t>
+              <a:t>11/5/2023</a:t>
             </a:fld>
             <a:endParaRPr lang="en-US"/>
           </a:p>
@@ -576,10 +588,9 @@
           <a:lstStyle/>
           <a:p>
             <a:r>
-              <a:rPr lang="en-US" smtClean="0"/>
+              <a:rPr lang="en-US"/>
               <a:t>Click to edit Master title style</a:t>
             </a:r>
-            <a:endParaRPr lang="en-US"/>
           </a:p>
         </p:txBody>
       </p:sp>
@@ -605,38 +616,37 @@
           <a:p>
             <a:pPr lvl="0"/>
             <a:r>
-              <a:rPr lang="en-US" smtClean="0"/>
+              <a:rPr lang="en-US"/>
               <a:t>Click to edit Master text styles</a:t>
             </a:r>
           </a:p>
           <a:p>
             <a:pPr lvl="1"/>
             <a:r>
-              <a:rPr lang="en-US" smtClean="0"/>
+              <a:rPr lang="en-US"/>
               <a:t>Second level</a:t>
             </a:r>
           </a:p>
           <a:p>
             <a:pPr lvl="2"/>
             <a:r>
-              <a:rPr lang="en-US" smtClean="0"/>
+              <a:rPr lang="en-US"/>
               <a:t>Third level</a:t>
             </a:r>
           </a:p>
           <a:p>
             <a:pPr lvl="3"/>
             <a:r>
-              <a:rPr lang="en-US" smtClean="0"/>
+              <a:rPr lang="en-US"/>
               <a:t>Fourth level</a:t>
             </a:r>
           </a:p>
           <a:p>
             <a:pPr lvl="4"/>
             <a:r>
-              <a:rPr lang="en-US" smtClean="0"/>
+              <a:rPr lang="en-US"/>
               <a:t>Fifth level</a:t>
             </a:r>
-            <a:endParaRPr lang="en-US"/>
           </a:p>
         </p:txBody>
       </p:sp>
@@ -658,7 +668,7 @@
             <a:fld id="{1D8BD707-D9CF-40AE-B4C6-C98DA3205C09}" type="datetimeFigureOut">
               <a:rPr lang="en-US" smtClean="0"/>
               <a:pPr/>
-              <a:t>11/4/2023</a:t>
+              <a:t>11/5/2023</a:t>
             </a:fld>
             <a:endParaRPr lang="en-US"/>
           </a:p>
@@ -748,10 +758,9 @@
           <a:lstStyle/>
           <a:p>
             <a:r>
-              <a:rPr lang="en-US" smtClean="0"/>
+              <a:rPr lang="en-US"/>
               <a:t>Click to edit Master title style</a:t>
             </a:r>
-            <a:endParaRPr lang="en-US"/>
           </a:p>
         </p:txBody>
       </p:sp>
@@ -772,38 +781,37 @@
           <a:p>
             <a:pPr lvl="0"/>
             <a:r>
-              <a:rPr lang="en-US" smtClean="0"/>
+              <a:rPr lang="en-US"/>
               <a:t>Click to edit Master text styles</a:t>
             </a:r>
           </a:p>
           <a:p>
             <a:pPr lvl="1"/>
             <a:r>
-              <a:rPr lang="en-US" smtClean="0"/>
+              <a:rPr lang="en-US"/>
               <a:t>Second level</a:t>
             </a:r>
           </a:p>
           <a:p>
             <a:pPr lvl="2"/>
             <a:r>
-              <a:rPr lang="en-US" smtClean="0"/>
+              <a:rPr lang="en-US"/>
               <a:t>Third level</a:t>
             </a:r>
           </a:p>
           <a:p>
             <a:pPr lvl="3"/>
             <a:r>
-              <a:rPr lang="en-US" smtClean="0"/>
+              <a:rPr lang="en-US"/>
               <a:t>Fourth level</a:t>
             </a:r>
           </a:p>
           <a:p>
             <a:pPr lvl="4"/>
             <a:r>
-              <a:rPr lang="en-US" smtClean="0"/>
+              <a:rPr lang="en-US"/>
               <a:t>Fifth level</a:t>
             </a:r>
-            <a:endParaRPr lang="en-US"/>
           </a:p>
         </p:txBody>
       </p:sp>
@@ -825,7 +833,7 @@
             <a:fld id="{1D8BD707-D9CF-40AE-B4C6-C98DA3205C09}" type="datetimeFigureOut">
               <a:rPr lang="en-US" smtClean="0"/>
               <a:pPr/>
-              <a:t>11/4/2023</a:t>
+              <a:t>11/5/2023</a:t>
             </a:fld>
             <a:endParaRPr lang="en-US"/>
           </a:p>
@@ -924,10 +932,9 @@
           </a:lstStyle>
           <a:p>
             <a:r>
-              <a:rPr lang="en-US" smtClean="0"/>
+              <a:rPr lang="en-US"/>
               <a:t>Click to edit Master title style</a:t>
             </a:r>
-            <a:endParaRPr lang="en-US"/>
           </a:p>
         </p:txBody>
       </p:sp>
@@ -1044,7 +1051,7 @@
           <a:p>
             <a:pPr lvl="0"/>
             <a:r>
-              <a:rPr lang="en-US" smtClean="0"/>
+              <a:rPr lang="en-US"/>
               <a:t>Click to edit Master text styles</a:t>
             </a:r>
           </a:p>
@@ -1068,7 +1075,7 @@
             <a:fld id="{1D8BD707-D9CF-40AE-B4C6-C98DA3205C09}" type="datetimeFigureOut">
               <a:rPr lang="en-US" smtClean="0"/>
               <a:pPr/>
-              <a:t>11/4/2023</a:t>
+              <a:t>11/5/2023</a:t>
             </a:fld>
             <a:endParaRPr lang="en-US"/>
           </a:p>
@@ -1158,10 +1165,9 @@
           <a:lstStyle/>
           <a:p>
             <a:r>
-              <a:rPr lang="en-US" smtClean="0"/>
+              <a:rPr lang="en-US"/>
               <a:t>Click to edit Master title style</a:t>
             </a:r>
-            <a:endParaRPr lang="en-US"/>
           </a:p>
         </p:txBody>
       </p:sp>
@@ -1215,38 +1221,37 @@
           <a:p>
             <a:pPr lvl="0"/>
             <a:r>
-              <a:rPr lang="en-US" smtClean="0"/>
+              <a:rPr lang="en-US"/>
               <a:t>Click to edit Master text styles</a:t>
             </a:r>
           </a:p>
           <a:p>
             <a:pPr lvl="1"/>
             <a:r>
-              <a:rPr lang="en-US" smtClean="0"/>
+              <a:rPr lang="en-US"/>
               <a:t>Second level</a:t>
             </a:r>
           </a:p>
           <a:p>
             <a:pPr lvl="2"/>
             <a:r>
-              <a:rPr lang="en-US" smtClean="0"/>
+              <a:rPr lang="en-US"/>
               <a:t>Third level</a:t>
             </a:r>
           </a:p>
           <a:p>
             <a:pPr lvl="3"/>
             <a:r>
-              <a:rPr lang="en-US" smtClean="0"/>
+              <a:rPr lang="en-US"/>
               <a:t>Fourth level</a:t>
             </a:r>
           </a:p>
           <a:p>
             <a:pPr lvl="4"/>
             <a:r>
-              <a:rPr lang="en-US" smtClean="0"/>
+              <a:rPr lang="en-US"/>
               <a:t>Fifth level</a:t>
             </a:r>
-            <a:endParaRPr lang="en-US"/>
           </a:p>
         </p:txBody>
       </p:sp>
@@ -1300,38 +1305,37 @@
           <a:p>
             <a:pPr lvl="0"/>
             <a:r>
-              <a:rPr lang="en-US" smtClean="0"/>
+              <a:rPr lang="en-US"/>
               <a:t>Click to edit Master text styles</a:t>
             </a:r>
           </a:p>
           <a:p>
             <a:pPr lvl="1"/>
             <a:r>
-              <a:rPr lang="en-US" smtClean="0"/>
+              <a:rPr lang="en-US"/>
               <a:t>Second level</a:t>
             </a:r>
           </a:p>
           <a:p>
             <a:pPr lvl="2"/>
             <a:r>
-              <a:rPr lang="en-US" smtClean="0"/>
+              <a:rPr lang="en-US"/>
               <a:t>Third level</a:t>
             </a:r>
           </a:p>
           <a:p>
             <a:pPr lvl="3"/>
             <a:r>
-              <a:rPr lang="en-US" smtClean="0"/>
+              <a:rPr lang="en-US"/>
               <a:t>Fourth level</a:t>
             </a:r>
           </a:p>
           <a:p>
             <a:pPr lvl="4"/>
             <a:r>
-              <a:rPr lang="en-US" smtClean="0"/>
+              <a:rPr lang="en-US"/>
               <a:t>Fifth level</a:t>
             </a:r>
-            <a:endParaRPr lang="en-US"/>
           </a:p>
         </p:txBody>
       </p:sp>
@@ -1353,7 +1357,7 @@
             <a:fld id="{1D8BD707-D9CF-40AE-B4C6-C98DA3205C09}" type="datetimeFigureOut">
               <a:rPr lang="en-US" smtClean="0"/>
               <a:pPr/>
-              <a:t>11/4/2023</a:t>
+              <a:t>11/5/2023</a:t>
             </a:fld>
             <a:endParaRPr lang="en-US"/>
           </a:p>
@@ -1447,10 +1451,9 @@
           </a:lstStyle>
           <a:p>
             <a:r>
-              <a:rPr lang="en-US" smtClean="0"/>
+              <a:rPr lang="en-US"/>
               <a:t>Click to edit Master title style</a:t>
             </a:r>
-            <a:endParaRPr lang="en-US"/>
           </a:p>
         </p:txBody>
       </p:sp>
@@ -1513,7 +1516,7 @@
           <a:p>
             <a:pPr lvl="0"/>
             <a:r>
-              <a:rPr lang="en-US" smtClean="0"/>
+              <a:rPr lang="en-US"/>
               <a:t>Click to edit Master text styles</a:t>
             </a:r>
           </a:p>
@@ -1569,38 +1572,37 @@
           <a:p>
             <a:pPr lvl="0"/>
             <a:r>
-              <a:rPr lang="en-US" smtClean="0"/>
+              <a:rPr lang="en-US"/>
               <a:t>Click to edit Master text styles</a:t>
             </a:r>
           </a:p>
           <a:p>
             <a:pPr lvl="1"/>
             <a:r>
-              <a:rPr lang="en-US" smtClean="0"/>
+              <a:rPr lang="en-US"/>
               <a:t>Second level</a:t>
             </a:r>
           </a:p>
           <a:p>
             <a:pPr lvl="2"/>
             <a:r>
-              <a:rPr lang="en-US" smtClean="0"/>
+              <a:rPr lang="en-US"/>
               <a:t>Third level</a:t>
             </a:r>
           </a:p>
           <a:p>
             <a:pPr lvl="3"/>
             <a:r>
-              <a:rPr lang="en-US" smtClean="0"/>
+              <a:rPr lang="en-US"/>
               <a:t>Fourth level</a:t>
             </a:r>
           </a:p>
           <a:p>
             <a:pPr lvl="4"/>
             <a:r>
-              <a:rPr lang="en-US" smtClean="0"/>
+              <a:rPr lang="en-US"/>
               <a:t>Fifth level</a:t>
             </a:r>
-            <a:endParaRPr lang="en-US"/>
           </a:p>
         </p:txBody>
       </p:sp>
@@ -1663,7 +1665,7 @@
           <a:p>
             <a:pPr lvl="0"/>
             <a:r>
-              <a:rPr lang="en-US" smtClean="0"/>
+              <a:rPr lang="en-US"/>
               <a:t>Click to edit Master text styles</a:t>
             </a:r>
           </a:p>
@@ -1719,38 +1721,37 @@
           <a:p>
             <a:pPr lvl="0"/>
             <a:r>
-              <a:rPr lang="en-US" smtClean="0"/>
+              <a:rPr lang="en-US"/>
               <a:t>Click to edit Master text styles</a:t>
             </a:r>
           </a:p>
           <a:p>
             <a:pPr lvl="1"/>
             <a:r>
-              <a:rPr lang="en-US" smtClean="0"/>
+              <a:rPr lang="en-US"/>
               <a:t>Second level</a:t>
             </a:r>
           </a:p>
           <a:p>
             <a:pPr lvl="2"/>
             <a:r>
-              <a:rPr lang="en-US" smtClean="0"/>
+              <a:rPr lang="en-US"/>
               <a:t>Third level</a:t>
             </a:r>
           </a:p>
           <a:p>
             <a:pPr lvl="3"/>
             <a:r>
-              <a:rPr lang="en-US" smtClean="0"/>
+              <a:rPr lang="en-US"/>
               <a:t>Fourth level</a:t>
             </a:r>
           </a:p>
           <a:p>
             <a:pPr lvl="4"/>
             <a:r>
-              <a:rPr lang="en-US" smtClean="0"/>
+              <a:rPr lang="en-US"/>
               <a:t>Fifth level</a:t>
             </a:r>
-            <a:endParaRPr lang="en-US"/>
           </a:p>
         </p:txBody>
       </p:sp>
@@ -1772,7 +1773,7 @@
             <a:fld id="{1D8BD707-D9CF-40AE-B4C6-C98DA3205C09}" type="datetimeFigureOut">
               <a:rPr lang="en-US" smtClean="0"/>
               <a:pPr/>
-              <a:t>11/4/2023</a:t>
+              <a:t>11/5/2023</a:t>
             </a:fld>
             <a:endParaRPr lang="en-US"/>
           </a:p>
@@ -1862,10 +1863,9 @@
           <a:lstStyle/>
           <a:p>
             <a:r>
-              <a:rPr lang="en-US" smtClean="0"/>
+              <a:rPr lang="en-US"/>
               <a:t>Click to edit Master title style</a:t>
             </a:r>
-            <a:endParaRPr lang="en-US"/>
           </a:p>
         </p:txBody>
       </p:sp>
@@ -1887,7 +1887,7 @@
             <a:fld id="{1D8BD707-D9CF-40AE-B4C6-C98DA3205C09}" type="datetimeFigureOut">
               <a:rPr lang="en-US" smtClean="0"/>
               <a:pPr/>
-              <a:t>11/4/2023</a:t>
+              <a:t>11/5/2023</a:t>
             </a:fld>
             <a:endParaRPr lang="en-US"/>
           </a:p>
@@ -1979,7 +1979,7 @@
             <a:fld id="{1D8BD707-D9CF-40AE-B4C6-C98DA3205C09}" type="datetimeFigureOut">
               <a:rPr lang="en-US" smtClean="0"/>
               <a:pPr/>
-              <a:t>11/4/2023</a:t>
+              <a:t>11/5/2023</a:t>
             </a:fld>
             <a:endParaRPr lang="en-US"/>
           </a:p>
@@ -2078,10 +2078,9 @@
           </a:lstStyle>
           <a:p>
             <a:r>
-              <a:rPr lang="en-US" smtClean="0"/>
+              <a:rPr lang="en-US"/>
               <a:t>Click to edit Master title style</a:t>
             </a:r>
-            <a:endParaRPr lang="en-US"/>
           </a:p>
         </p:txBody>
       </p:sp>
@@ -2135,38 +2134,37 @@
           <a:p>
             <a:pPr lvl="0"/>
             <a:r>
-              <a:rPr lang="en-US" smtClean="0"/>
+              <a:rPr lang="en-US"/>
               <a:t>Click to edit Master text styles</a:t>
             </a:r>
           </a:p>
           <a:p>
             <a:pPr lvl="1"/>
             <a:r>
-              <a:rPr lang="en-US" smtClean="0"/>
+              <a:rPr lang="en-US"/>
               <a:t>Second level</a:t>
             </a:r>
           </a:p>
           <a:p>
             <a:pPr lvl="2"/>
             <a:r>
-              <a:rPr lang="en-US" smtClean="0"/>
+              <a:rPr lang="en-US"/>
               <a:t>Third level</a:t>
             </a:r>
           </a:p>
           <a:p>
             <a:pPr lvl="3"/>
             <a:r>
-              <a:rPr lang="en-US" smtClean="0"/>
+              <a:rPr lang="en-US"/>
               <a:t>Fourth level</a:t>
             </a:r>
           </a:p>
           <a:p>
             <a:pPr lvl="4"/>
             <a:r>
-              <a:rPr lang="en-US" smtClean="0"/>
+              <a:rPr lang="en-US"/>
               <a:t>Fifth level</a:t>
             </a:r>
-            <a:endParaRPr lang="en-US"/>
           </a:p>
         </p:txBody>
       </p:sp>
@@ -2229,7 +2227,7 @@
           <a:p>
             <a:pPr lvl="0"/>
             <a:r>
-              <a:rPr lang="en-US" smtClean="0"/>
+              <a:rPr lang="en-US"/>
               <a:t>Click to edit Master text styles</a:t>
             </a:r>
           </a:p>
@@ -2253,7 +2251,7 @@
             <a:fld id="{1D8BD707-D9CF-40AE-B4C6-C98DA3205C09}" type="datetimeFigureOut">
               <a:rPr lang="en-US" smtClean="0"/>
               <a:pPr/>
-              <a:t>11/4/2023</a:t>
+              <a:t>11/5/2023</a:t>
             </a:fld>
             <a:endParaRPr lang="en-US"/>
           </a:p>
@@ -2352,10 +2350,9 @@
           </a:lstStyle>
           <a:p>
             <a:r>
-              <a:rPr lang="en-US" smtClean="0"/>
+              <a:rPr lang="en-US"/>
               <a:t>Click to edit Master title style</a:t>
             </a:r>
-            <a:endParaRPr lang="en-US"/>
           </a:p>
         </p:txBody>
       </p:sp>
@@ -2479,7 +2476,7 @@
           <a:p>
             <a:pPr lvl="0"/>
             <a:r>
-              <a:rPr lang="en-US" smtClean="0"/>
+              <a:rPr lang="en-US"/>
               <a:t>Click to edit Master text styles</a:t>
             </a:r>
           </a:p>
@@ -2503,7 +2500,7 @@
             <a:fld id="{1D8BD707-D9CF-40AE-B4C6-C98DA3205C09}" type="datetimeFigureOut">
               <a:rPr lang="en-US" smtClean="0"/>
               <a:pPr/>
-              <a:t>11/4/2023</a:t>
+              <a:t>11/5/2023</a:t>
             </a:fld>
             <a:endParaRPr lang="en-US"/>
           </a:p>
@@ -2608,10 +2605,9 @@
           <a:lstStyle/>
           <a:p>
             <a:r>
-              <a:rPr lang="en-US" smtClean="0"/>
+              <a:rPr lang="en-US"/>
               <a:t>Click to edit Master title style</a:t>
             </a:r>
-            <a:endParaRPr lang="en-US"/>
           </a:p>
         </p:txBody>
       </p:sp>
@@ -2642,38 +2638,37 @@
           <a:p>
             <a:pPr lvl="0"/>
             <a:r>
-              <a:rPr lang="en-US" smtClean="0"/>
+              <a:rPr lang="en-US"/>
               <a:t>Click to edit Master text styles</a:t>
             </a:r>
           </a:p>
           <a:p>
             <a:pPr lvl="1"/>
             <a:r>
-              <a:rPr lang="en-US" smtClean="0"/>
+              <a:rPr lang="en-US"/>
               <a:t>Second level</a:t>
             </a:r>
           </a:p>
           <a:p>
             <a:pPr lvl="2"/>
             <a:r>
-              <a:rPr lang="en-US" smtClean="0"/>
+              <a:rPr lang="en-US"/>
               <a:t>Third level</a:t>
             </a:r>
           </a:p>
           <a:p>
             <a:pPr lvl="3"/>
             <a:r>
-              <a:rPr lang="en-US" smtClean="0"/>
+              <a:rPr lang="en-US"/>
               <a:t>Fourth level</a:t>
             </a:r>
           </a:p>
           <a:p>
             <a:pPr lvl="4"/>
             <a:r>
-              <a:rPr lang="en-US" smtClean="0"/>
+              <a:rPr lang="en-US"/>
               <a:t>Fifth level</a:t>
             </a:r>
-            <a:endParaRPr lang="en-US"/>
           </a:p>
         </p:txBody>
       </p:sp>
@@ -2713,7 +2708,7 @@
             <a:fld id="{1D8BD707-D9CF-40AE-B4C6-C98DA3205C09}" type="datetimeFigureOut">
               <a:rPr lang="en-US" smtClean="0"/>
               <a:pPr/>
-              <a:t>11/4/2023</a:t>
+              <a:t>11/5/2023</a:t>
             </a:fld>
             <a:endParaRPr lang="en-US"/>
           </a:p>
@@ -3107,7 +3102,7 @@
           <a:lstStyle/>
           <a:p>
             <a:r>
-              <a:rPr lang="en-IN" sz="2400" b="1" dirty="0" smtClean="0"/>
+              <a:rPr lang="en-IN" sz="2400" b="1" dirty="0"/>
               <a:t>What is Bootstrap ?</a:t>
             </a:r>
           </a:p>
@@ -3120,7 +3115,7 @@
               <a:buAutoNum type="arabicPeriod"/>
             </a:pPr>
             <a:r>
-              <a:rPr lang="en-IN" dirty="0" smtClean="0"/>
+              <a:rPr lang="en-IN" dirty="0"/>
               <a:t>It is a CSS framework</a:t>
             </a:r>
           </a:p>
@@ -3130,7 +3125,7 @@
               <a:buAutoNum type="arabicPeriod"/>
             </a:pPr>
             <a:r>
-              <a:rPr lang="en-IN" dirty="0" smtClean="0"/>
+              <a:rPr lang="en-IN" dirty="0"/>
               <a:t>By default Responsive code</a:t>
             </a:r>
           </a:p>
@@ -3140,14 +3135,14 @@
               <a:buAutoNum type="arabicPeriod"/>
             </a:pPr>
             <a:r>
-              <a:rPr lang="en-IN" dirty="0" smtClean="0"/>
+              <a:rPr lang="en-IN" dirty="0"/>
               <a:t>CSS classes + HTML + JavaScript + </a:t>
             </a:r>
             <a:r>
-              <a:rPr lang="en-IN" dirty="0" err="1" smtClean="0"/>
+              <a:rPr lang="en-IN" dirty="0" err="1"/>
               <a:t>Jquery</a:t>
             </a:r>
-            <a:endParaRPr lang="en-IN" dirty="0" smtClean="0"/>
+            <a:endParaRPr lang="en-IN" dirty="0"/>
           </a:p>
           <a:p>
             <a:pPr marL="342900" indent="-342900">
@@ -3155,7 +3150,7 @@
               <a:buAutoNum type="arabicPeriod"/>
             </a:pPr>
             <a:r>
-              <a:rPr lang="en-IN" dirty="0" smtClean="0"/>
+              <a:rPr lang="en-IN" dirty="0"/>
               <a:t>It is a collection of readymade CSS classes</a:t>
             </a:r>
           </a:p>
@@ -3191,7 +3186,7 @@
           <a:lstStyle/>
           <a:p>
             <a:r>
-              <a:rPr lang="en-IN" sz="2400" b="1" dirty="0" smtClean="0"/>
+              <a:rPr lang="en-IN" sz="2400" b="1" dirty="0"/>
               <a:t>Bootstrap is developed by ?</a:t>
             </a:r>
           </a:p>
@@ -3200,10 +3195,9 @@
           </a:p>
           <a:p>
             <a:r>
-              <a:rPr lang="en-IN" dirty="0" smtClean="0"/>
+              <a:rPr lang="en-IN" dirty="0"/>
               <a:t>- Twitter</a:t>
             </a:r>
-            <a:endParaRPr lang="en-IN" dirty="0"/>
           </a:p>
         </p:txBody>
       </p:sp>
@@ -3230,7 +3224,7 @@
           <a:lstStyle/>
           <a:p>
             <a:r>
-              <a:rPr lang="en-IN" sz="2400" b="1" dirty="0" smtClean="0"/>
+              <a:rPr lang="en-IN" sz="2400" b="1" dirty="0"/>
               <a:t>What is Framework ?</a:t>
             </a:r>
           </a:p>
@@ -3239,10 +3233,9 @@
           </a:p>
           <a:p>
             <a:r>
-              <a:rPr lang="en-IN" dirty="0" smtClean="0"/>
+              <a:rPr lang="en-IN" dirty="0"/>
               <a:t>Framework means ready made code/program with extra features</a:t>
             </a:r>
-            <a:endParaRPr lang="en-IN" dirty="0"/>
           </a:p>
         </p:txBody>
       </p:sp>
@@ -3269,7 +3262,7 @@
           <a:lstStyle/>
           <a:p>
             <a:r>
-              <a:rPr lang="en-IN" sz="2400" b="1" dirty="0" smtClean="0"/>
+              <a:rPr lang="en-IN" sz="2400" b="1" dirty="0"/>
               <a:t>What is Library ?</a:t>
             </a:r>
           </a:p>
@@ -3279,13 +3272,8 @@
           <a:p>
             <a:r>
               <a:rPr lang="en-IN" dirty="0"/>
-              <a:t>M</a:t>
-            </a:r>
-            <a:r>
-              <a:rPr lang="en-IN" dirty="0" smtClean="0"/>
-              <a:t>eans ready made code/program</a:t>
-            </a:r>
-            <a:endParaRPr lang="en-IN" dirty="0"/>
+              <a:t>Means ready made code/program</a:t>
+            </a:r>
           </a:p>
         </p:txBody>
       </p:sp>
@@ -3299,13 +3287,6 @@
   <p:clrMapOvr>
     <a:masterClrMapping/>
   </p:clrMapOvr>
-  <p:timing>
-    <p:tnLst>
-      <p:par>
-        <p:cTn id="1" dur="indefinite" restart="never" nodeType="tmRoot"/>
-      </p:par>
-    </p:tnLst>
-  </p:timing>
 </p:sld>
 </file>
 
@@ -3349,11 +3330,11 @@
           <a:lstStyle/>
           <a:p>
             <a:r>
-              <a:rPr lang="en-IN" dirty="0" err="1" smtClean="0"/>
+              <a:rPr lang="en-IN" dirty="0" err="1"/>
               <a:t>BootStrap</a:t>
             </a:r>
             <a:r>
-              <a:rPr lang="en-IN" dirty="0" smtClean="0"/>
+              <a:rPr lang="en-IN" dirty="0"/>
               <a:t> Classes –</a:t>
             </a:r>
           </a:p>
@@ -3365,7 +3346,7 @@
               <a:buAutoNum type="arabicPeriod"/>
             </a:pPr>
             <a:r>
-              <a:rPr lang="en-IN" dirty="0" smtClean="0"/>
+              <a:rPr lang="en-IN" dirty="0"/>
               <a:t>Container</a:t>
             </a:r>
           </a:p>
@@ -3374,7 +3355,7 @@
               <a:buAutoNum type="arabicPeriod"/>
             </a:pPr>
             <a:r>
-              <a:rPr lang="en-IN" dirty="0" smtClean="0"/>
+              <a:rPr lang="en-IN" dirty="0"/>
               <a:t>Container-fluid</a:t>
             </a:r>
           </a:p>
@@ -3383,25 +3364,25 @@
               <a:buAutoNum type="arabicPeriod"/>
             </a:pPr>
             <a:r>
-              <a:rPr lang="en-IN" dirty="0" smtClean="0"/>
+              <a:rPr lang="en-IN" dirty="0"/>
               <a:t>Text-</a:t>
             </a:r>
             <a:r>
-              <a:rPr lang="en-IN" dirty="0" err="1" smtClean="0"/>
+              <a:rPr lang="en-IN" dirty="0" err="1"/>
               <a:t>color</a:t>
             </a:r>
-            <a:endParaRPr lang="en-IN" dirty="0" smtClean="0"/>
+            <a:endParaRPr lang="en-IN" dirty="0"/>
           </a:p>
           <a:p>
             <a:pPr marL="342900" indent="-342900">
               <a:buAutoNum type="arabicPeriod"/>
             </a:pPr>
             <a:r>
-              <a:rPr lang="en-IN" dirty="0" smtClean="0"/>
+              <a:rPr lang="en-IN" dirty="0"/>
               <a:t>Background-</a:t>
             </a:r>
             <a:r>
-              <a:rPr lang="en-IN" dirty="0" err="1" smtClean="0"/>
+              <a:rPr lang="en-IN" dirty="0" err="1"/>
               <a:t>color</a:t>
             </a:r>
             <a:endParaRPr lang="en-IN" dirty="0"/>
@@ -3431,14 +3412,14 @@
           <a:lstStyle/>
           <a:p>
             <a:r>
-              <a:rPr lang="en-IN" dirty="0" smtClean="0"/>
+              <a:rPr lang="en-IN" dirty="0"/>
               <a:t>Text-</a:t>
             </a:r>
             <a:r>
-              <a:rPr lang="en-IN" dirty="0" err="1" smtClean="0"/>
+              <a:rPr lang="en-IN" dirty="0" err="1"/>
               <a:t>color</a:t>
             </a:r>
-            <a:endParaRPr lang="en-IN" dirty="0" smtClean="0"/>
+            <a:endParaRPr lang="en-IN" dirty="0"/>
           </a:p>
           <a:p>
             <a:endParaRPr lang="en-IN" dirty="0"/>
@@ -3448,7 +3429,7 @@
               <a:buAutoNum type="arabicPeriod"/>
             </a:pPr>
             <a:r>
-              <a:rPr lang="en-IN" dirty="0" smtClean="0"/>
+              <a:rPr lang="en-IN" dirty="0"/>
               <a:t>text-primary</a:t>
             </a:r>
           </a:p>
@@ -3457,7 +3438,7 @@
               <a:buAutoNum type="arabicPeriod"/>
             </a:pPr>
             <a:r>
-              <a:rPr lang="en-IN" dirty="0" smtClean="0"/>
+              <a:rPr lang="en-IN" dirty="0"/>
               <a:t>Text-success</a:t>
             </a:r>
           </a:p>
@@ -3466,7 +3447,7 @@
               <a:buAutoNum type="arabicPeriod"/>
             </a:pPr>
             <a:r>
-              <a:rPr lang="en-IN" dirty="0" smtClean="0"/>
+              <a:rPr lang="en-IN" dirty="0"/>
               <a:t>Text-warning</a:t>
             </a:r>
           </a:p>
@@ -3475,7 +3456,7 @@
               <a:buAutoNum type="arabicPeriod"/>
             </a:pPr>
             <a:r>
-              <a:rPr lang="en-IN" dirty="0" smtClean="0"/>
+              <a:rPr lang="en-IN" dirty="0"/>
               <a:t>Text-danger</a:t>
             </a:r>
           </a:p>
@@ -3484,7 +3465,7 @@
               <a:buAutoNum type="arabicPeriod"/>
             </a:pPr>
             <a:r>
-              <a:rPr lang="en-IN" dirty="0" smtClean="0"/>
+              <a:rPr lang="en-IN" dirty="0"/>
               <a:t>Text-info</a:t>
             </a:r>
           </a:p>
@@ -3493,7 +3474,7 @@
               <a:buAutoNum type="arabicPeriod"/>
             </a:pPr>
             <a:r>
-              <a:rPr lang="en-IN" dirty="0" smtClean="0"/>
+              <a:rPr lang="en-IN" dirty="0"/>
               <a:t>Text-secondary</a:t>
             </a:r>
           </a:p>
@@ -3502,7 +3483,7 @@
               <a:buAutoNum type="arabicPeriod"/>
             </a:pPr>
             <a:r>
-              <a:rPr lang="en-IN" dirty="0" smtClean="0"/>
+              <a:rPr lang="en-IN" dirty="0"/>
               <a:t>Text-dark</a:t>
             </a:r>
           </a:p>
@@ -3511,7 +3492,7 @@
               <a:buAutoNum type="arabicPeriod"/>
             </a:pPr>
             <a:r>
-              <a:rPr lang="en-IN" dirty="0" smtClean="0"/>
+              <a:rPr lang="en-IN" dirty="0"/>
               <a:t>Text-light</a:t>
             </a:r>
           </a:p>
@@ -3520,10 +3501,9 @@
               <a:buAutoNum type="arabicPeriod"/>
             </a:pPr>
             <a:r>
-              <a:rPr lang="en-IN" dirty="0" smtClean="0"/>
+              <a:rPr lang="en-IN" dirty="0"/>
               <a:t>Text-mute</a:t>
             </a:r>
-            <a:endParaRPr lang="en-IN" dirty="0"/>
           </a:p>
         </p:txBody>
       </p:sp>
@@ -3550,14 +3530,14 @@
           <a:lstStyle/>
           <a:p>
             <a:r>
-              <a:rPr lang="en-IN" dirty="0" smtClean="0"/>
+              <a:rPr lang="en-IN" dirty="0"/>
               <a:t>Background-</a:t>
             </a:r>
             <a:r>
-              <a:rPr lang="en-IN" dirty="0" err="1" smtClean="0"/>
+              <a:rPr lang="en-IN" dirty="0" err="1"/>
               <a:t>color</a:t>
             </a:r>
-            <a:endParaRPr lang="en-IN" dirty="0" smtClean="0"/>
+            <a:endParaRPr lang="en-IN" dirty="0"/>
           </a:p>
           <a:p>
             <a:endParaRPr lang="en-IN" dirty="0"/>
@@ -3567,11 +3547,11 @@
               <a:buAutoNum type="arabicPeriod"/>
             </a:pPr>
             <a:r>
-              <a:rPr lang="en-IN" dirty="0" err="1" smtClean="0"/>
+              <a:rPr lang="en-IN" dirty="0" err="1"/>
               <a:t>bg</a:t>
             </a:r>
             <a:r>
-              <a:rPr lang="en-IN" dirty="0" smtClean="0"/>
+              <a:rPr lang="en-IN" dirty="0"/>
               <a:t>-primary</a:t>
             </a:r>
           </a:p>
@@ -3580,11 +3560,11 @@
               <a:buAutoNum type="arabicPeriod"/>
             </a:pPr>
             <a:r>
-              <a:rPr lang="en-IN" dirty="0" err="1" smtClean="0"/>
+              <a:rPr lang="en-IN" dirty="0" err="1"/>
               <a:t>bg</a:t>
             </a:r>
             <a:r>
-              <a:rPr lang="en-IN" dirty="0" smtClean="0"/>
+              <a:rPr lang="en-IN" dirty="0"/>
               <a:t>-success</a:t>
             </a:r>
           </a:p>
@@ -3593,11 +3573,11 @@
               <a:buAutoNum type="arabicPeriod"/>
             </a:pPr>
             <a:r>
-              <a:rPr lang="en-IN" dirty="0" err="1" smtClean="0"/>
+              <a:rPr lang="en-IN" dirty="0" err="1"/>
               <a:t>bg</a:t>
             </a:r>
             <a:r>
-              <a:rPr lang="en-IN" dirty="0" smtClean="0"/>
+              <a:rPr lang="en-IN" dirty="0"/>
               <a:t>-warning</a:t>
             </a:r>
           </a:p>
@@ -3606,11 +3586,11 @@
               <a:buAutoNum type="arabicPeriod"/>
             </a:pPr>
             <a:r>
-              <a:rPr lang="en-IN" dirty="0" err="1" smtClean="0"/>
+              <a:rPr lang="en-IN" dirty="0" err="1"/>
               <a:t>bg</a:t>
             </a:r>
             <a:r>
-              <a:rPr lang="en-IN" dirty="0" smtClean="0"/>
+              <a:rPr lang="en-IN" dirty="0"/>
               <a:t>-danger</a:t>
             </a:r>
           </a:p>
@@ -3619,11 +3599,11 @@
               <a:buAutoNum type="arabicPeriod"/>
             </a:pPr>
             <a:r>
-              <a:rPr lang="en-IN" dirty="0" err="1" smtClean="0"/>
+              <a:rPr lang="en-IN" dirty="0" err="1"/>
               <a:t>bg</a:t>
             </a:r>
             <a:r>
-              <a:rPr lang="en-IN" dirty="0" smtClean="0"/>
+              <a:rPr lang="en-IN" dirty="0"/>
               <a:t>-info</a:t>
             </a:r>
           </a:p>
@@ -3632,11 +3612,11 @@
               <a:buAutoNum type="arabicPeriod"/>
             </a:pPr>
             <a:r>
-              <a:rPr lang="en-IN" dirty="0" err="1" smtClean="0"/>
+              <a:rPr lang="en-IN" dirty="0" err="1"/>
               <a:t>bg</a:t>
             </a:r>
             <a:r>
-              <a:rPr lang="en-IN" dirty="0" smtClean="0"/>
+              <a:rPr lang="en-IN" dirty="0"/>
               <a:t>-secondary</a:t>
             </a:r>
           </a:p>
@@ -3645,11 +3625,11 @@
               <a:buAutoNum type="arabicPeriod"/>
             </a:pPr>
             <a:r>
-              <a:rPr lang="en-IN" dirty="0" err="1" smtClean="0"/>
+              <a:rPr lang="en-IN" dirty="0" err="1"/>
               <a:t>bg</a:t>
             </a:r>
             <a:r>
-              <a:rPr lang="en-IN" dirty="0" smtClean="0"/>
+              <a:rPr lang="en-IN" dirty="0"/>
               <a:t>-dark</a:t>
             </a:r>
           </a:p>
@@ -3658,11 +3638,11 @@
               <a:buAutoNum type="arabicPeriod"/>
             </a:pPr>
             <a:r>
-              <a:rPr lang="en-IN" dirty="0" err="1" smtClean="0"/>
+              <a:rPr lang="en-IN" dirty="0" err="1"/>
               <a:t>bg</a:t>
             </a:r>
             <a:r>
-              <a:rPr lang="en-IN" dirty="0" smtClean="0"/>
+              <a:rPr lang="en-IN" dirty="0"/>
               <a:t>-light</a:t>
             </a:r>
           </a:p>
@@ -3671,14 +3651,13 @@
               <a:buAutoNum type="arabicPeriod"/>
             </a:pPr>
             <a:r>
-              <a:rPr lang="en-IN" dirty="0" err="1" smtClean="0"/>
+              <a:rPr lang="en-IN" dirty="0" err="1"/>
               <a:t>bg</a:t>
             </a:r>
             <a:r>
-              <a:rPr lang="en-IN" dirty="0" smtClean="0"/>
+              <a:rPr lang="en-IN" dirty="0"/>
               <a:t>-mute</a:t>
             </a:r>
-            <a:endParaRPr lang="en-IN" dirty="0"/>
           </a:p>
         </p:txBody>
       </p:sp>
@@ -3692,13 +3671,6 @@
   <p:clrMapOvr>
     <a:masterClrMapping/>
   </p:clrMapOvr>
-  <p:timing>
-    <p:tnLst>
-      <p:par>
-        <p:cTn id="1" dur="indefinite" restart="never" nodeType="tmRoot"/>
-      </p:par>
-    </p:tnLst>
-  </p:timing>
 </p:sld>
 </file>
 
@@ -3742,7 +3714,7 @@
           <a:lstStyle/>
           <a:p>
             <a:r>
-              <a:rPr lang="en-IN" dirty="0" smtClean="0"/>
+              <a:rPr lang="en-IN" dirty="0"/>
               <a:t>Want to use bootstrap ?</a:t>
             </a:r>
           </a:p>
@@ -3757,7 +3729,7 @@
               <a:buAutoNum type="arabicPeriod"/>
             </a:pPr>
             <a:r>
-              <a:rPr lang="en-IN" dirty="0" smtClean="0"/>
+              <a:rPr lang="en-IN" dirty="0"/>
               <a:t>bootstrap.css</a:t>
             </a:r>
           </a:p>
@@ -3769,7 +3741,7 @@
               <a:buAutoNum type="arabicPeriod"/>
             </a:pPr>
             <a:r>
-              <a:rPr lang="en-IN" dirty="0" smtClean="0"/>
+              <a:rPr lang="en-IN" dirty="0"/>
               <a:t>Bootsrap.js</a:t>
             </a:r>
           </a:p>
@@ -3781,7 +3753,7 @@
               <a:buAutoNum type="arabicPeriod"/>
             </a:pPr>
             <a:r>
-              <a:rPr lang="en-IN" dirty="0" smtClean="0"/>
+              <a:rPr lang="en-IN" dirty="0"/>
               <a:t>Jquery.js</a:t>
             </a:r>
           </a:p>
@@ -3793,10 +3765,9 @@
               <a:buAutoNum type="arabicPeriod"/>
             </a:pPr>
             <a:r>
-              <a:rPr lang="en-IN" dirty="0" smtClean="0"/>
+              <a:rPr lang="en-IN" dirty="0"/>
               <a:t>Popper.min.js</a:t>
             </a:r>
-            <a:endParaRPr lang="en-IN" dirty="0"/>
           </a:p>
         </p:txBody>
       </p:sp>
@@ -3861,10 +3832,9 @@
           <a:lstStyle/>
           <a:p>
             <a:r>
-              <a:rPr lang="en-IN" dirty="0" smtClean="0"/>
+              <a:rPr lang="en-IN" dirty="0"/>
               <a:t>library</a:t>
             </a:r>
-            <a:endParaRPr lang="en-IN" dirty="0"/>
           </a:p>
         </p:txBody>
       </p:sp>
@@ -3878,13 +3848,6 @@
   <p:clrMapOvr>
     <a:masterClrMapping/>
   </p:clrMapOvr>
-  <p:timing>
-    <p:tnLst>
-      <p:par>
-        <p:cTn id="1" dur="indefinite" restart="never" nodeType="tmRoot"/>
-      </p:par>
-    </p:tnLst>
-  </p:timing>
 </p:sld>
 </file>
 
@@ -3979,13 +3942,6 @@
   <p:clrMapOvr>
     <a:masterClrMapping/>
   </p:clrMapOvr>
-  <p:timing>
-    <p:tnLst>
-      <p:par>
-        <p:cTn id="1" dur="indefinite" restart="never" nodeType="tmRoot"/>
-      </p:par>
-    </p:tnLst>
-  </p:timing>
 </p:sld>
 </file>
 
@@ -4080,13 +4036,6 @@
   <p:clrMapOvr>
     <a:masterClrMapping/>
   </p:clrMapOvr>
-  <p:timing>
-    <p:tnLst>
-      <p:par>
-        <p:cTn id="1" dur="indefinite" restart="never" nodeType="tmRoot"/>
-      </p:par>
-    </p:tnLst>
-  </p:timing>
 </p:sld>
 </file>
 
@@ -4181,13 +4130,6 @@
   <p:clrMapOvr>
     <a:masterClrMapping/>
   </p:clrMapOvr>
-  <p:timing>
-    <p:tnLst>
-      <p:par>
-        <p:cTn id="1" dur="indefinite" restart="never" nodeType="tmRoot"/>
-      </p:par>
-    </p:tnLst>
-  </p:timing>
 </p:sld>
 </file>
 
@@ -4505,10 +4447,9 @@
           <a:p>
             <a:pPr algn="ctr"/>
             <a:r>
-              <a:rPr lang="en-IN" dirty="0" smtClean="0"/>
+              <a:rPr lang="en-IN" dirty="0"/>
               <a:t>Logo</a:t>
             </a:r>
-            <a:endParaRPr lang="en-IN" dirty="0"/>
           </a:p>
         </p:txBody>
       </p:sp>
@@ -4555,10 +4496,9 @@
           <a:p>
             <a:pPr algn="ctr"/>
             <a:r>
-              <a:rPr lang="en-IN" dirty="0" smtClean="0"/>
+              <a:rPr lang="en-IN" dirty="0"/>
               <a:t>Home About Contact</a:t>
             </a:r>
-            <a:endParaRPr lang="en-IN" dirty="0"/>
           </a:p>
         </p:txBody>
       </p:sp>
@@ -4647,10 +4587,9 @@
           <a:p>
             <a:pPr algn="ctr"/>
             <a:r>
-              <a:rPr lang="en-IN" dirty="0" smtClean="0"/>
+              <a:rPr lang="en-IN" dirty="0"/>
               <a:t>Banner</a:t>
             </a:r>
-            <a:endParaRPr lang="en-IN" dirty="0"/>
           </a:p>
         </p:txBody>
       </p:sp>
@@ -4690,238 +4629,237 @@
           <a:lstStyle/>
           <a:p>
             <a:r>
-              <a:rPr lang="en-IN" dirty="0" err="1" smtClean="0"/>
+              <a:rPr lang="en-IN" dirty="0" err="1"/>
               <a:t>Fsudbfuidbfuud</a:t>
             </a:r>
             <a:r>
-              <a:rPr lang="en-IN" dirty="0" smtClean="0"/>
+              <a:rPr lang="en-IN" dirty="0"/>
               <a:t> </a:t>
             </a:r>
             <a:r>
-              <a:rPr lang="en-IN" dirty="0" err="1" smtClean="0"/>
+              <a:rPr lang="en-IN" dirty="0" err="1"/>
               <a:t>fiuhf</a:t>
             </a:r>
             <a:r>
-              <a:rPr lang="en-IN" dirty="0" smtClean="0"/>
+              <a:rPr lang="en-IN" dirty="0"/>
               <a:t> </a:t>
             </a:r>
             <a:r>
-              <a:rPr lang="en-IN" dirty="0" err="1" smtClean="0"/>
+              <a:rPr lang="en-IN" dirty="0" err="1"/>
               <a:t>fu</a:t>
             </a:r>
             <a:r>
-              <a:rPr lang="en-IN" dirty="0" smtClean="0"/>
+              <a:rPr lang="en-IN" dirty="0"/>
               <a:t> </a:t>
             </a:r>
             <a:r>
-              <a:rPr lang="en-IN" dirty="0" err="1" smtClean="0"/>
+              <a:rPr lang="en-IN" dirty="0" err="1"/>
               <a:t>dif</a:t>
             </a:r>
             <a:r>
-              <a:rPr lang="en-IN" dirty="0" smtClean="0"/>
+              <a:rPr lang="en-IN" dirty="0"/>
               <a:t> </a:t>
             </a:r>
             <a:r>
-              <a:rPr lang="en-IN" dirty="0" err="1" smtClean="0"/>
+              <a:rPr lang="en-IN" dirty="0" err="1"/>
               <a:t>fbdufuidb</a:t>
             </a:r>
             <a:r>
-              <a:rPr lang="en-IN" dirty="0" smtClean="0"/>
+              <a:rPr lang="en-IN" dirty="0"/>
               <a:t> </a:t>
             </a:r>
             <a:r>
-              <a:rPr lang="en-IN" dirty="0" err="1" smtClean="0"/>
+              <a:rPr lang="en-IN" dirty="0" err="1"/>
               <a:t>fdfui</a:t>
             </a:r>
             <a:r>
-              <a:rPr lang="en-IN" dirty="0" smtClean="0"/>
+              <a:rPr lang="en-IN" dirty="0"/>
               <a:t> </a:t>
             </a:r>
             <a:r>
-              <a:rPr lang="en-IN" dirty="0" err="1" smtClean="0"/>
+              <a:rPr lang="en-IN" dirty="0" err="1"/>
               <a:t>dsfuisdgfi</a:t>
             </a:r>
             <a:r>
-              <a:rPr lang="en-IN" dirty="0" smtClean="0"/>
+              <a:rPr lang="en-IN" dirty="0"/>
               <a:t> </a:t>
             </a:r>
             <a:r>
-              <a:rPr lang="en-IN" dirty="0" err="1" smtClean="0"/>
+              <a:rPr lang="en-IN" dirty="0" err="1"/>
               <a:t>dusifuidsufsiudgfui</a:t>
             </a:r>
             <a:r>
-              <a:rPr lang="en-IN" dirty="0" smtClean="0"/>
+              <a:rPr lang="en-IN" dirty="0"/>
               <a:t> </a:t>
             </a:r>
             <a:r>
-              <a:rPr lang="en-IN" dirty="0" err="1" smtClean="0"/>
+              <a:rPr lang="en-IN" dirty="0" err="1"/>
               <a:t>dsuif</a:t>
             </a:r>
             <a:r>
-              <a:rPr lang="en-IN" dirty="0" smtClean="0"/>
+              <a:rPr lang="en-IN" dirty="0"/>
               <a:t> </a:t>
             </a:r>
             <a:r>
-              <a:rPr lang="en-IN" dirty="0" err="1" smtClean="0"/>
+              <a:rPr lang="en-IN" dirty="0" err="1"/>
               <a:t>iud</a:t>
             </a:r>
             <a:r>
-              <a:rPr lang="en-IN" dirty="0" smtClean="0"/>
+              <a:rPr lang="en-IN" dirty="0"/>
               <a:t>  </a:t>
             </a:r>
             <a:r>
-              <a:rPr lang="en-IN" dirty="0" err="1" smtClean="0"/>
+              <a:rPr lang="en-IN" dirty="0" err="1"/>
               <a:t>ufiuduf</a:t>
             </a:r>
             <a:r>
-              <a:rPr lang="en-IN" dirty="0" smtClean="0"/>
+              <a:rPr lang="en-IN" dirty="0"/>
               <a:t> </a:t>
             </a:r>
             <a:r>
-              <a:rPr lang="en-IN" dirty="0" err="1" smtClean="0"/>
+              <a:rPr lang="en-IN" dirty="0" err="1"/>
               <a:t>giudgfiudf</a:t>
             </a:r>
             <a:r>
-              <a:rPr lang="en-IN" dirty="0" smtClean="0"/>
+              <a:rPr lang="en-IN" dirty="0"/>
               <a:t> </a:t>
             </a:r>
             <a:r>
-              <a:rPr lang="en-IN" dirty="0" err="1" smtClean="0"/>
+              <a:rPr lang="en-IN" dirty="0" err="1"/>
               <a:t>gdsfgdugf</a:t>
             </a:r>
             <a:r>
-              <a:rPr lang="en-IN" dirty="0" smtClean="0"/>
+              <a:rPr lang="en-IN" dirty="0"/>
               <a:t> </a:t>
             </a:r>
             <a:r>
-              <a:rPr lang="en-IN" dirty="0" err="1" smtClean="0"/>
+              <a:rPr lang="en-IN" dirty="0" err="1"/>
               <a:t>uidgfg</a:t>
             </a:r>
             <a:r>
-              <a:rPr lang="en-IN" dirty="0" smtClean="0"/>
+              <a:rPr lang="en-IN" dirty="0"/>
               <a:t> </a:t>
             </a:r>
             <a:r>
-              <a:rPr lang="en-IN" dirty="0" err="1" smtClean="0"/>
+              <a:rPr lang="en-IN" dirty="0" err="1"/>
               <a:t>iudg</a:t>
             </a:r>
             <a:r>
-              <a:rPr lang="en-IN" dirty="0" smtClean="0"/>
+              <a:rPr lang="en-IN" dirty="0"/>
               <a:t> </a:t>
             </a:r>
             <a:r>
-              <a:rPr lang="en-IN" dirty="0" err="1" smtClean="0"/>
+              <a:rPr lang="en-IN" dirty="0" err="1"/>
               <a:t>fugdifg</a:t>
             </a:r>
             <a:r>
-              <a:rPr lang="en-IN" dirty="0" smtClean="0"/>
+              <a:rPr lang="en-IN" dirty="0"/>
               <a:t> </a:t>
             </a:r>
             <a:r>
-              <a:rPr lang="en-IN" dirty="0" err="1" smtClean="0"/>
+              <a:rPr lang="en-IN" dirty="0" err="1"/>
               <a:t>iusd</a:t>
             </a:r>
             <a:r>
-              <a:rPr lang="en-IN" dirty="0" smtClean="0"/>
+              <a:rPr lang="en-IN" dirty="0"/>
               <a:t> </a:t>
             </a:r>
             <a:r>
-              <a:rPr lang="en-IN" dirty="0" err="1" smtClean="0"/>
+              <a:rPr lang="en-IN" dirty="0" err="1"/>
               <a:t>gfu</a:t>
             </a:r>
             <a:r>
-              <a:rPr lang="en-IN" dirty="0" smtClean="0"/>
+              <a:rPr lang="en-IN" dirty="0"/>
               <a:t> </a:t>
             </a:r>
             <a:r>
-              <a:rPr lang="en-IN" dirty="0" err="1" smtClean="0"/>
+              <a:rPr lang="en-IN" dirty="0" err="1"/>
               <a:t>gdsui</a:t>
             </a:r>
             <a:r>
-              <a:rPr lang="en-IN" dirty="0" smtClean="0"/>
+              <a:rPr lang="en-IN" dirty="0"/>
               <a:t> </a:t>
             </a:r>
             <a:r>
-              <a:rPr lang="en-IN" dirty="0" err="1" smtClean="0"/>
+              <a:rPr lang="en-IN" dirty="0" err="1"/>
               <a:t>gfiusd</a:t>
             </a:r>
             <a:r>
-              <a:rPr lang="en-IN" dirty="0" smtClean="0"/>
+              <a:rPr lang="en-IN" dirty="0"/>
               <a:t> </a:t>
             </a:r>
             <a:r>
-              <a:rPr lang="en-IN" dirty="0" err="1" smtClean="0"/>
+              <a:rPr lang="en-IN" dirty="0" err="1"/>
               <a:t>giufg</a:t>
             </a:r>
             <a:r>
-              <a:rPr lang="en-IN" dirty="0" smtClean="0"/>
+              <a:rPr lang="en-IN" dirty="0"/>
               <a:t> </a:t>
             </a:r>
             <a:r>
-              <a:rPr lang="en-IN" dirty="0" err="1" smtClean="0"/>
+              <a:rPr lang="en-IN" dirty="0" err="1"/>
               <a:t>iudg</a:t>
             </a:r>
             <a:r>
-              <a:rPr lang="en-IN" dirty="0" smtClean="0"/>
+              <a:rPr lang="en-IN" dirty="0"/>
               <a:t> </a:t>
             </a:r>
             <a:r>
-              <a:rPr lang="en-IN" dirty="0" err="1" smtClean="0"/>
+              <a:rPr lang="en-IN" dirty="0" err="1"/>
               <a:t>fiu</a:t>
             </a:r>
             <a:r>
-              <a:rPr lang="en-IN" dirty="0" smtClean="0"/>
+              <a:rPr lang="en-IN" dirty="0"/>
               <a:t> </a:t>
             </a:r>
             <a:r>
-              <a:rPr lang="en-IN" dirty="0" err="1" smtClean="0"/>
+              <a:rPr lang="en-IN" dirty="0" err="1"/>
               <a:t>dgiufg</a:t>
             </a:r>
             <a:r>
-              <a:rPr lang="en-IN" dirty="0" smtClean="0"/>
+              <a:rPr lang="en-IN" dirty="0"/>
               <a:t> </a:t>
             </a:r>
             <a:r>
-              <a:rPr lang="en-IN" dirty="0" err="1" smtClean="0"/>
+              <a:rPr lang="en-IN" dirty="0" err="1"/>
               <a:t>diugf</a:t>
             </a:r>
             <a:r>
-              <a:rPr lang="en-IN" dirty="0" smtClean="0"/>
+              <a:rPr lang="en-IN" dirty="0"/>
               <a:t> </a:t>
             </a:r>
             <a:r>
-              <a:rPr lang="en-IN" dirty="0" err="1" smtClean="0"/>
+              <a:rPr lang="en-IN" dirty="0" err="1"/>
               <a:t>iud</a:t>
             </a:r>
             <a:r>
-              <a:rPr lang="en-IN" dirty="0" smtClean="0"/>
+              <a:rPr lang="en-IN" dirty="0"/>
               <a:t> </a:t>
             </a:r>
             <a:r>
-              <a:rPr lang="en-IN" dirty="0" err="1" smtClean="0"/>
+              <a:rPr lang="en-IN" dirty="0" err="1"/>
               <a:t>gfiug</a:t>
             </a:r>
             <a:r>
-              <a:rPr lang="en-IN" dirty="0" smtClean="0"/>
+              <a:rPr lang="en-IN" dirty="0"/>
               <a:t> </a:t>
             </a:r>
             <a:r>
-              <a:rPr lang="en-IN" dirty="0" err="1" smtClean="0"/>
+              <a:rPr lang="en-IN" dirty="0" err="1"/>
               <a:t>siuf</a:t>
             </a:r>
             <a:r>
-              <a:rPr lang="en-IN" dirty="0" smtClean="0"/>
+              <a:rPr lang="en-IN" dirty="0"/>
               <a:t> </a:t>
             </a:r>
             <a:r>
-              <a:rPr lang="en-IN" dirty="0" err="1" smtClean="0"/>
+              <a:rPr lang="en-IN" dirty="0" err="1"/>
               <a:t>duif</a:t>
             </a:r>
             <a:r>
-              <a:rPr lang="en-IN" dirty="0" smtClean="0"/>
+              <a:rPr lang="en-IN" dirty="0"/>
               <a:t> </a:t>
             </a:r>
-            <a:endParaRPr lang="en-IN" dirty="0"/>
           </a:p>
         </p:txBody>
       </p:sp>
@@ -5003,10 +4941,9 @@
           <a:p>
             <a:pPr algn="ctr"/>
             <a:r>
-              <a:rPr lang="en-IN" dirty="0" smtClean="0"/>
+              <a:rPr lang="en-IN" dirty="0"/>
               <a:t>Footer</a:t>
             </a:r>
-            <a:endParaRPr lang="en-IN" dirty="0"/>
           </a:p>
         </p:txBody>
       </p:sp>
@@ -5105,7 +5042,7 @@
           <a:p>
             <a:pPr algn="ctr"/>
             <a:r>
-              <a:rPr lang="en-IN" sz="3600" b="1" dirty="0" smtClean="0">
+              <a:rPr lang="en-IN" sz="3600" b="1" dirty="0">
                 <a:solidFill>
                   <a:srgbClr val="FFC000"/>
                 </a:solidFill>
@@ -5116,18 +5053,13 @@
           <a:p>
             <a:pPr algn="ctr"/>
             <a:r>
-              <a:rPr lang="en-IN" sz="3600" b="1" dirty="0" smtClean="0">
+              <a:rPr lang="en-IN" sz="3600" b="1" dirty="0">
                 <a:solidFill>
                   <a:srgbClr val="FFC000"/>
                 </a:solidFill>
               </a:rPr>
               <a:t>System</a:t>
             </a:r>
-            <a:endParaRPr lang="en-IN" sz="3600" b="1" dirty="0">
-              <a:solidFill>
-                <a:srgbClr val="FFC000"/>
-              </a:solidFill>
-            </a:endParaRPr>
           </a:p>
         </p:txBody>
       </p:sp>
@@ -5186,18 +5118,90 @@
                 <a:tableStyleId>{5C22544A-7EE6-4342-B048-85BDC9FD1C3A}</a:tableStyleId>
               </a:tblPr>
               <a:tblGrid>
-                <a:gridCol w="704850"/>
-                <a:gridCol w="704850"/>
-                <a:gridCol w="704850"/>
-                <a:gridCol w="704850"/>
-                <a:gridCol w="704850"/>
-                <a:gridCol w="704850"/>
-                <a:gridCol w="704850"/>
-                <a:gridCol w="704850"/>
-                <a:gridCol w="704850"/>
-                <a:gridCol w="704850"/>
-                <a:gridCol w="704850"/>
-                <a:gridCol w="704850"/>
+                <a:gridCol w="704850">
+                  <a:extLst>
+                    <a:ext uri="{9D8B030D-6E8A-4147-A177-3AD203B41FA5}">
+                      <a16:colId xmlns:a16="http://schemas.microsoft.com/office/drawing/2014/main" val="20000"/>
+                    </a:ext>
+                  </a:extLst>
+                </a:gridCol>
+                <a:gridCol w="704850">
+                  <a:extLst>
+                    <a:ext uri="{9D8B030D-6E8A-4147-A177-3AD203B41FA5}">
+                      <a16:colId xmlns:a16="http://schemas.microsoft.com/office/drawing/2014/main" val="20001"/>
+                    </a:ext>
+                  </a:extLst>
+                </a:gridCol>
+                <a:gridCol w="704850">
+                  <a:extLst>
+                    <a:ext uri="{9D8B030D-6E8A-4147-A177-3AD203B41FA5}">
+                      <a16:colId xmlns:a16="http://schemas.microsoft.com/office/drawing/2014/main" val="20002"/>
+                    </a:ext>
+                  </a:extLst>
+                </a:gridCol>
+                <a:gridCol w="704850">
+                  <a:extLst>
+                    <a:ext uri="{9D8B030D-6E8A-4147-A177-3AD203B41FA5}">
+                      <a16:colId xmlns:a16="http://schemas.microsoft.com/office/drawing/2014/main" val="20003"/>
+                    </a:ext>
+                  </a:extLst>
+                </a:gridCol>
+                <a:gridCol w="704850">
+                  <a:extLst>
+                    <a:ext uri="{9D8B030D-6E8A-4147-A177-3AD203B41FA5}">
+                      <a16:colId xmlns:a16="http://schemas.microsoft.com/office/drawing/2014/main" val="20004"/>
+                    </a:ext>
+                  </a:extLst>
+                </a:gridCol>
+                <a:gridCol w="704850">
+                  <a:extLst>
+                    <a:ext uri="{9D8B030D-6E8A-4147-A177-3AD203B41FA5}">
+                      <a16:colId xmlns:a16="http://schemas.microsoft.com/office/drawing/2014/main" val="20005"/>
+                    </a:ext>
+                  </a:extLst>
+                </a:gridCol>
+                <a:gridCol w="704850">
+                  <a:extLst>
+                    <a:ext uri="{9D8B030D-6E8A-4147-A177-3AD203B41FA5}">
+                      <a16:colId xmlns:a16="http://schemas.microsoft.com/office/drawing/2014/main" val="20006"/>
+                    </a:ext>
+                  </a:extLst>
+                </a:gridCol>
+                <a:gridCol w="704850">
+                  <a:extLst>
+                    <a:ext uri="{9D8B030D-6E8A-4147-A177-3AD203B41FA5}">
+                      <a16:colId xmlns:a16="http://schemas.microsoft.com/office/drawing/2014/main" val="20007"/>
+                    </a:ext>
+                  </a:extLst>
+                </a:gridCol>
+                <a:gridCol w="704850">
+                  <a:extLst>
+                    <a:ext uri="{9D8B030D-6E8A-4147-A177-3AD203B41FA5}">
+                      <a16:colId xmlns:a16="http://schemas.microsoft.com/office/drawing/2014/main" val="20008"/>
+                    </a:ext>
+                  </a:extLst>
+                </a:gridCol>
+                <a:gridCol w="704850">
+                  <a:extLst>
+                    <a:ext uri="{9D8B030D-6E8A-4147-A177-3AD203B41FA5}">
+                      <a16:colId xmlns:a16="http://schemas.microsoft.com/office/drawing/2014/main" val="20009"/>
+                    </a:ext>
+                  </a:extLst>
+                </a:gridCol>
+                <a:gridCol w="704850">
+                  <a:extLst>
+                    <a:ext uri="{9D8B030D-6E8A-4147-A177-3AD203B41FA5}">
+                      <a16:colId xmlns:a16="http://schemas.microsoft.com/office/drawing/2014/main" val="20010"/>
+                    </a:ext>
+                  </a:extLst>
+                </a:gridCol>
+                <a:gridCol w="704850">
+                  <a:extLst>
+                    <a:ext uri="{9D8B030D-6E8A-4147-A177-3AD203B41FA5}">
+                      <a16:colId xmlns:a16="http://schemas.microsoft.com/office/drawing/2014/main" val="20011"/>
+                    </a:ext>
+                  </a:extLst>
+                </a:gridCol>
               </a:tblGrid>
               <a:tr h="370840">
                 <a:tc>
@@ -5207,10 +5211,9 @@
                     <a:p>
                       <a:pPr algn="ctr"/>
                       <a:r>
-                        <a:rPr lang="en-IN" dirty="0" smtClean="0"/>
+                        <a:rPr lang="en-IN" dirty="0"/>
                         <a:t>1</a:t>
                       </a:r>
-                      <a:endParaRPr lang="en-IN" dirty="0"/>
                     </a:p>
                   </a:txBody>
                   <a:tcPr/>
@@ -5222,10 +5225,9 @@
                     <a:p>
                       <a:pPr algn="ctr"/>
                       <a:r>
-                        <a:rPr lang="en-IN" dirty="0" smtClean="0"/>
+                        <a:rPr lang="en-IN" dirty="0"/>
                         <a:t>1</a:t>
                       </a:r>
-                      <a:endParaRPr lang="en-IN" dirty="0"/>
                     </a:p>
                   </a:txBody>
                   <a:tcPr/>
@@ -5237,10 +5239,9 @@
                     <a:p>
                       <a:pPr algn="ctr"/>
                       <a:r>
-                        <a:rPr lang="en-IN" dirty="0" smtClean="0"/>
+                        <a:rPr lang="en-IN" dirty="0"/>
                         <a:t>1</a:t>
                       </a:r>
-                      <a:endParaRPr lang="en-IN" dirty="0"/>
                     </a:p>
                   </a:txBody>
                   <a:tcPr/>
@@ -5252,10 +5253,9 @@
                     <a:p>
                       <a:pPr algn="ctr"/>
                       <a:r>
-                        <a:rPr lang="en-IN" dirty="0" smtClean="0"/>
+                        <a:rPr lang="en-IN" dirty="0"/>
                         <a:t>1</a:t>
                       </a:r>
-                      <a:endParaRPr lang="en-IN" dirty="0"/>
                     </a:p>
                   </a:txBody>
                   <a:tcPr/>
@@ -5267,10 +5267,9 @@
                     <a:p>
                       <a:pPr algn="ctr"/>
                       <a:r>
-                        <a:rPr lang="en-IN" dirty="0" smtClean="0"/>
+                        <a:rPr lang="en-IN" dirty="0"/>
                         <a:t>1</a:t>
                       </a:r>
-                      <a:endParaRPr lang="en-IN" dirty="0"/>
                     </a:p>
                   </a:txBody>
                   <a:tcPr/>
@@ -5282,10 +5281,9 @@
                     <a:p>
                       <a:pPr algn="ctr"/>
                       <a:r>
-                        <a:rPr lang="en-IN" dirty="0" smtClean="0"/>
+                        <a:rPr lang="en-IN" dirty="0"/>
                         <a:t>1</a:t>
                       </a:r>
-                      <a:endParaRPr lang="en-IN" dirty="0"/>
                     </a:p>
                   </a:txBody>
                   <a:tcPr/>
@@ -5297,10 +5295,9 @@
                     <a:p>
                       <a:pPr algn="ctr"/>
                       <a:r>
-                        <a:rPr lang="en-IN" dirty="0" smtClean="0"/>
+                        <a:rPr lang="en-IN" dirty="0"/>
                         <a:t>1</a:t>
                       </a:r>
-                      <a:endParaRPr lang="en-IN" dirty="0"/>
                     </a:p>
                   </a:txBody>
                   <a:tcPr/>
@@ -5312,10 +5309,9 @@
                     <a:p>
                       <a:pPr algn="ctr"/>
                       <a:r>
-                        <a:rPr lang="en-IN" dirty="0" smtClean="0"/>
+                        <a:rPr lang="en-IN" dirty="0"/>
                         <a:t>1</a:t>
                       </a:r>
-                      <a:endParaRPr lang="en-IN" dirty="0"/>
                     </a:p>
                   </a:txBody>
                   <a:tcPr/>
@@ -5327,10 +5323,9 @@
                     <a:p>
                       <a:pPr algn="ctr"/>
                       <a:r>
-                        <a:rPr lang="en-IN" dirty="0" smtClean="0"/>
+                        <a:rPr lang="en-IN" dirty="0"/>
                         <a:t>1</a:t>
                       </a:r>
-                      <a:endParaRPr lang="en-IN" dirty="0"/>
                     </a:p>
                   </a:txBody>
                   <a:tcPr/>
@@ -5342,10 +5337,9 @@
                     <a:p>
                       <a:pPr algn="ctr"/>
                       <a:r>
-                        <a:rPr lang="en-IN" dirty="0" smtClean="0"/>
+                        <a:rPr lang="en-IN" dirty="0"/>
                         <a:t>1</a:t>
                       </a:r>
-                      <a:endParaRPr lang="en-IN" dirty="0"/>
                     </a:p>
                   </a:txBody>
                   <a:tcPr/>
@@ -5357,10 +5351,9 @@
                     <a:p>
                       <a:pPr algn="ctr"/>
                       <a:r>
-                        <a:rPr lang="en-IN" dirty="0" smtClean="0"/>
+                        <a:rPr lang="en-IN" dirty="0"/>
                         <a:t>1</a:t>
                       </a:r>
-                      <a:endParaRPr lang="en-IN" dirty="0"/>
                     </a:p>
                   </a:txBody>
                   <a:tcPr/>
@@ -5372,14 +5365,18 @@
                     <a:p>
                       <a:pPr algn="ctr"/>
                       <a:r>
-                        <a:rPr lang="en-IN" dirty="0" smtClean="0"/>
+                        <a:rPr lang="en-IN" dirty="0"/>
                         <a:t>1</a:t>
                       </a:r>
-                      <a:endParaRPr lang="en-IN" dirty="0"/>
                     </a:p>
                   </a:txBody>
                   <a:tcPr/>
                 </a:tc>
+                <a:extLst>
+                  <a:ext uri="{0D108BD9-81ED-4DB2-BD59-A6C34878D82A}">
+                    <a16:rowId xmlns:a16="http://schemas.microsoft.com/office/drawing/2014/main" val="10000"/>
+                  </a:ext>
+                </a:extLst>
               </a:tr>
             </a:tbl>
           </a:graphicData>
@@ -5410,9 +5407,27 @@
                 <a:tableStyleId>{5C22544A-7EE6-4342-B048-85BDC9FD1C3A}</a:tableStyleId>
               </a:tblPr>
               <a:tblGrid>
-                <a:gridCol w="2794000"/>
-                <a:gridCol w="2794000"/>
-                <a:gridCol w="2794000"/>
+                <a:gridCol w="2794000">
+                  <a:extLst>
+                    <a:ext uri="{9D8B030D-6E8A-4147-A177-3AD203B41FA5}">
+                      <a16:colId xmlns:a16="http://schemas.microsoft.com/office/drawing/2014/main" val="20000"/>
+                    </a:ext>
+                  </a:extLst>
+                </a:gridCol>
+                <a:gridCol w="2794000">
+                  <a:extLst>
+                    <a:ext uri="{9D8B030D-6E8A-4147-A177-3AD203B41FA5}">
+                      <a16:colId xmlns:a16="http://schemas.microsoft.com/office/drawing/2014/main" val="20001"/>
+                    </a:ext>
+                  </a:extLst>
+                </a:gridCol>
+                <a:gridCol w="2794000">
+                  <a:extLst>
+                    <a:ext uri="{9D8B030D-6E8A-4147-A177-3AD203B41FA5}">
+                      <a16:colId xmlns:a16="http://schemas.microsoft.com/office/drawing/2014/main" val="20002"/>
+                    </a:ext>
+                  </a:extLst>
+                </a:gridCol>
               </a:tblGrid>
               <a:tr h="370840">
                 <a:tc>
@@ -5422,10 +5437,9 @@
                     <a:p>
                       <a:pPr algn="ctr"/>
                       <a:r>
-                        <a:rPr lang="en-IN" dirty="0" smtClean="0"/>
+                        <a:rPr lang="en-IN" dirty="0"/>
                         <a:t>4</a:t>
                       </a:r>
-                      <a:endParaRPr lang="en-IN" dirty="0"/>
                     </a:p>
                   </a:txBody>
                   <a:tcPr/>
@@ -5437,10 +5451,9 @@
                     <a:p>
                       <a:pPr algn="ctr"/>
                       <a:r>
-                        <a:rPr lang="en-IN" dirty="0" smtClean="0"/>
+                        <a:rPr lang="en-IN" dirty="0"/>
                         <a:t>4</a:t>
                       </a:r>
-                      <a:endParaRPr lang="en-IN" dirty="0"/>
                     </a:p>
                   </a:txBody>
                   <a:tcPr/>
@@ -5452,14 +5465,18 @@
                     <a:p>
                       <a:pPr algn="ctr"/>
                       <a:r>
-                        <a:rPr lang="en-IN" dirty="0" smtClean="0"/>
+                        <a:rPr lang="en-IN" dirty="0"/>
                         <a:t>4</a:t>
                       </a:r>
-                      <a:endParaRPr lang="en-IN" dirty="0"/>
                     </a:p>
                   </a:txBody>
                   <a:tcPr/>
                 </a:tc>
+                <a:extLst>
+                  <a:ext uri="{0D108BD9-81ED-4DB2-BD59-A6C34878D82A}">
+                    <a16:rowId xmlns:a16="http://schemas.microsoft.com/office/drawing/2014/main" val="10000"/>
+                  </a:ext>
+                </a:extLst>
               </a:tr>
             </a:tbl>
           </a:graphicData>
@@ -5490,9 +5507,27 @@
                 <a:tableStyleId>{5C22544A-7EE6-4342-B048-85BDC9FD1C3A}</a:tableStyleId>
               </a:tblPr>
               <a:tblGrid>
-                <a:gridCol w="1752600"/>
-                <a:gridCol w="4800600"/>
-                <a:gridCol w="1828800"/>
+                <a:gridCol w="1752600">
+                  <a:extLst>
+                    <a:ext uri="{9D8B030D-6E8A-4147-A177-3AD203B41FA5}">
+                      <a16:colId xmlns:a16="http://schemas.microsoft.com/office/drawing/2014/main" val="20000"/>
+                    </a:ext>
+                  </a:extLst>
+                </a:gridCol>
+                <a:gridCol w="4800600">
+                  <a:extLst>
+                    <a:ext uri="{9D8B030D-6E8A-4147-A177-3AD203B41FA5}">
+                      <a16:colId xmlns:a16="http://schemas.microsoft.com/office/drawing/2014/main" val="20001"/>
+                    </a:ext>
+                  </a:extLst>
+                </a:gridCol>
+                <a:gridCol w="1828800">
+                  <a:extLst>
+                    <a:ext uri="{9D8B030D-6E8A-4147-A177-3AD203B41FA5}">
+                      <a16:colId xmlns:a16="http://schemas.microsoft.com/office/drawing/2014/main" val="20002"/>
+                    </a:ext>
+                  </a:extLst>
+                </a:gridCol>
               </a:tblGrid>
               <a:tr h="370840">
                 <a:tc>
@@ -5502,10 +5537,9 @@
                     <a:p>
                       <a:pPr algn="ctr"/>
                       <a:r>
-                        <a:rPr lang="en-IN" dirty="0" smtClean="0"/>
+                        <a:rPr lang="en-IN" dirty="0"/>
                         <a:t>3</a:t>
                       </a:r>
-                      <a:endParaRPr lang="en-IN" dirty="0"/>
                     </a:p>
                   </a:txBody>
                   <a:tcPr/>
@@ -5517,10 +5551,9 @@
                     <a:p>
                       <a:pPr algn="ctr"/>
                       <a:r>
-                        <a:rPr lang="en-IN" dirty="0" smtClean="0"/>
+                        <a:rPr lang="en-IN" dirty="0"/>
                         <a:t>6</a:t>
                       </a:r>
-                      <a:endParaRPr lang="en-IN" dirty="0"/>
                     </a:p>
                   </a:txBody>
                   <a:tcPr/>
@@ -5532,14 +5565,18 @@
                     <a:p>
                       <a:pPr algn="ctr"/>
                       <a:r>
-                        <a:rPr lang="en-IN" dirty="0" smtClean="0"/>
+                        <a:rPr lang="en-IN" dirty="0"/>
                         <a:t>3</a:t>
                       </a:r>
-                      <a:endParaRPr lang="en-IN" dirty="0"/>
                     </a:p>
                   </a:txBody>
                   <a:tcPr/>
                 </a:tc>
+                <a:extLst>
+                  <a:ext uri="{0D108BD9-81ED-4DB2-BD59-A6C34878D82A}">
+                    <a16:rowId xmlns:a16="http://schemas.microsoft.com/office/drawing/2014/main" val="10000"/>
+                  </a:ext>
+                </a:extLst>
               </a:tr>
             </a:tbl>
           </a:graphicData>
@@ -5692,7 +5729,7 @@
           <a:lstStyle/>
           <a:p>
             <a:r>
-              <a:rPr lang="en-IN" sz="2400" b="1" dirty="0" smtClean="0"/>
+              <a:rPr lang="en-IN" sz="2400" b="1" dirty="0"/>
               <a:t>What is Framework ?</a:t>
             </a:r>
           </a:p>
@@ -5701,10 +5738,9 @@
           </a:p>
           <a:p>
             <a:r>
-              <a:rPr lang="en-IN" dirty="0" smtClean="0"/>
+              <a:rPr lang="en-IN" dirty="0"/>
               <a:t>(Library + Some Extra Features)</a:t>
             </a:r>
-            <a:endParaRPr lang="en-IN" dirty="0"/>
           </a:p>
         </p:txBody>
       </p:sp>
@@ -5731,7 +5767,7 @@
           <a:lstStyle/>
           <a:p>
             <a:r>
-              <a:rPr lang="en-IN" sz="2400" b="1" dirty="0" smtClean="0">
+              <a:rPr lang="en-IN" sz="2400" b="1" dirty="0">
                 <a:solidFill>
                   <a:srgbClr val="C00000"/>
                 </a:solidFill>
@@ -5810,10 +5846,9 @@
           <a:p>
             <a:pPr algn="ctr"/>
             <a:r>
-              <a:rPr lang="en-IN" dirty="0" smtClean="0"/>
+              <a:rPr lang="en-IN" dirty="0"/>
               <a:t>First.html</a:t>
             </a:r>
-            <a:endParaRPr lang="en-IN" dirty="0"/>
           </a:p>
         </p:txBody>
       </p:sp>
@@ -5854,7 +5889,7 @@
           <a:p>
             <a:pPr algn="ctr"/>
             <a:r>
-              <a:rPr lang="en-IN" dirty="0" err="1" smtClean="0"/>
+              <a:rPr lang="en-IN" dirty="0" err="1"/>
               <a:t>fname</a:t>
             </a:r>
             <a:endParaRPr lang="en-IN" dirty="0"/>
@@ -5899,11 +5934,7 @@
             <a:pPr algn="ctr"/>
             <a:r>
               <a:rPr lang="en-IN" dirty="0" err="1"/>
-              <a:t>l</a:t>
-            </a:r>
-            <a:r>
-              <a:rPr lang="en-IN" dirty="0" err="1" smtClean="0"/>
-              <a:t>name</a:t>
+              <a:t>lname</a:t>
             </a:r>
             <a:endParaRPr lang="en-IN" dirty="0"/>
           </a:p>
@@ -5946,10 +5977,9 @@
           <a:p>
             <a:pPr algn="ctr"/>
             <a:r>
-              <a:rPr lang="en-IN" dirty="0" smtClean="0"/>
+              <a:rPr lang="en-IN" dirty="0"/>
               <a:t>pass</a:t>
             </a:r>
-            <a:endParaRPr lang="en-IN" dirty="0"/>
           </a:p>
         </p:txBody>
       </p:sp>
@@ -5990,10 +6020,9 @@
           <a:p>
             <a:pPr algn="ctr"/>
             <a:r>
-              <a:rPr lang="en-IN" dirty="0" smtClean="0"/>
+              <a:rPr lang="en-IN" dirty="0"/>
               <a:t>Submit</a:t>
             </a:r>
-            <a:endParaRPr lang="en-IN" dirty="0"/>
           </a:p>
         </p:txBody>
       </p:sp>
@@ -6023,7 +6052,7 @@
               <a:buAutoNum type="arabicPeriod"/>
             </a:pPr>
             <a:r>
-              <a:rPr lang="en-IN" sz="2000" b="1" dirty="0" smtClean="0"/>
+              <a:rPr lang="en-IN" sz="2000" b="1" dirty="0"/>
               <a:t>Who can read &amp; transfer this data?</a:t>
             </a:r>
           </a:p>
@@ -6035,10 +6064,9 @@
           </a:p>
           <a:p>
             <a:r>
-              <a:rPr lang="en-IN" dirty="0" smtClean="0"/>
+              <a:rPr lang="en-IN" dirty="0"/>
               <a:t>-  JavaScript</a:t>
             </a:r>
-            <a:endParaRPr lang="en-IN" dirty="0"/>
           </a:p>
         </p:txBody>
       </p:sp>
@@ -6052,13 +6080,6 @@
   <p:clrMapOvr>
     <a:masterClrMapping/>
   </p:clrMapOvr>
-  <p:timing>
-    <p:tnLst>
-      <p:par>
-        <p:cTn id="1" dur="indefinite" restart="never" nodeType="tmRoot"/>
-      </p:par>
-    </p:tnLst>
-  </p:timing>
 </p:sld>
 </file>
 
@@ -6102,7 +6123,7 @@
         </p:blipFill>
         <p:spPr bwMode="auto">
           <a:xfrm>
-            <a:off x="228600" y="533400"/>
+            <a:off x="228600" y="656188"/>
             <a:ext cx="8610600" cy="5516012"/>
           </a:xfrm>
           <a:prstGeom prst="rect">
@@ -6180,10 +6201,9 @@
           <a:p>
             <a:pPr algn="ctr"/>
             <a:r>
-              <a:rPr lang="en-IN" dirty="0" smtClean="0"/>
+              <a:rPr lang="en-IN" dirty="0"/>
               <a:t>1</a:t>
             </a:r>
-            <a:endParaRPr lang="en-IN" dirty="0"/>
           </a:p>
         </p:txBody>
       </p:sp>
@@ -6565,10 +6585,9 @@
           <a:lstStyle/>
           <a:p>
             <a:r>
-              <a:rPr lang="en-IN" sz="2400" b="1" dirty="0" smtClean="0"/>
+              <a:rPr lang="en-IN" sz="2400" b="1" dirty="0"/>
               <a:t>Adjust Width by Device</a:t>
             </a:r>
-            <a:endParaRPr lang="en-IN" sz="2400" b="1" dirty="0"/>
           </a:p>
         </p:txBody>
       </p:sp>
@@ -6596,14 +6615,10 @@
           <a:p>
             <a:r>
               <a:rPr lang="en-IN" dirty="0" err="1"/>
-              <a:t>s</a:t>
-            </a:r>
-            <a:r>
-              <a:rPr lang="en-IN" dirty="0" err="1" smtClean="0"/>
-              <a:t>m</a:t>
-            </a:r>
-            <a:r>
-              <a:rPr lang="en-IN" dirty="0" smtClean="0"/>
+              <a:t>sm</a:t>
+            </a:r>
+            <a:r>
+              <a:rPr lang="en-IN" dirty="0"/>
               <a:t>	-	Small Device</a:t>
             </a:r>
           </a:p>
@@ -6613,11 +6628,7 @@
           <a:p>
             <a:r>
               <a:rPr lang="en-IN" dirty="0"/>
-              <a:t>m</a:t>
-            </a:r>
-            <a:r>
-              <a:rPr lang="en-IN" dirty="0" smtClean="0"/>
-              <a:t>d	-	Medium Device</a:t>
+              <a:t>md	-	Medium Device</a:t>
             </a:r>
           </a:p>
           <a:p>
@@ -6626,19 +6637,11 @@
           <a:p>
             <a:r>
               <a:rPr lang="en-IN" dirty="0" err="1"/>
-              <a:t>l</a:t>
-            </a:r>
-            <a:r>
-              <a:rPr lang="en-IN" dirty="0" err="1" smtClean="0"/>
-              <a:t>g</a:t>
-            </a:r>
-            <a:r>
-              <a:rPr lang="en-IN" dirty="0"/>
-              <a:t>	</a:t>
-            </a:r>
-            <a:r>
-              <a:rPr lang="en-IN" dirty="0" smtClean="0"/>
-              <a:t>-	Large Device</a:t>
+              <a:t>lg</a:t>
+            </a:r>
+            <a:r>
+              <a:rPr lang="en-IN" dirty="0"/>
+              <a:t>	-	Large Device</a:t>
             </a:r>
           </a:p>
           <a:p>
@@ -6647,13 +6650,8 @@
           <a:p>
             <a:r>
               <a:rPr lang="en-IN" dirty="0"/>
-              <a:t>x</a:t>
-            </a:r>
-            <a:r>
-              <a:rPr lang="en-IN" dirty="0" smtClean="0"/>
-              <a:t>l	-	Extra Large Device</a:t>
-            </a:r>
-            <a:endParaRPr lang="en-IN" dirty="0"/>
+              <a:t>xl	-	Extra Large Device</a:t>
+            </a:r>
           </a:p>
         </p:txBody>
       </p:sp>
@@ -6904,18 +6902,17 @@
           <a:p>
             <a:pPr algn="ctr"/>
             <a:r>
-              <a:rPr lang="en-IN" dirty="0" smtClean="0"/>
+              <a:rPr lang="en-IN" dirty="0"/>
               <a:t>## JavaScript   ------- &gt;    </a:t>
             </a:r>
             <a:r>
-              <a:rPr lang="en-IN" dirty="0" err="1" smtClean="0"/>
+              <a:rPr lang="en-IN" dirty="0" err="1"/>
               <a:t>jquery</a:t>
             </a:r>
             <a:r>
-              <a:rPr lang="en-IN" dirty="0" smtClean="0"/>
+              <a:rPr lang="en-IN" dirty="0"/>
               <a:t> (Library)</a:t>
             </a:r>
-            <a:endParaRPr lang="en-IN" dirty="0"/>
           </a:p>
         </p:txBody>
       </p:sp>
@@ -6947,7 +6944,7 @@
           <a:lstStyle/>
           <a:p>
             <a:r>
-              <a:rPr lang="en-IN" dirty="0" smtClean="0"/>
+              <a:rPr lang="en-IN" dirty="0"/>
               <a:t>Bootstrap  </a:t>
             </a:r>
           </a:p>
@@ -6956,10 +6953,9 @@
           </a:p>
           <a:p>
             <a:r>
-              <a:rPr lang="en-IN" dirty="0" smtClean="0"/>
+              <a:rPr lang="en-IN" dirty="0"/>
               <a:t>(Framework)</a:t>
             </a:r>
-            <a:endParaRPr lang="en-IN" dirty="0"/>
           </a:p>
         </p:txBody>
       </p:sp>
@@ -7065,11 +7061,11 @@
           <a:lstStyle/>
           <a:p>
             <a:r>
-              <a:rPr lang="en-IN" dirty="0" smtClean="0"/>
+              <a:rPr lang="en-IN" dirty="0"/>
               <a:t>** .</a:t>
             </a:r>
             <a:r>
-              <a:rPr lang="en-IN" dirty="0" err="1" smtClean="0"/>
+              <a:rPr lang="en-IN" dirty="0" err="1"/>
               <a:t>css</a:t>
             </a:r>
             <a:endParaRPr lang="en-IN" dirty="0"/>
@@ -7104,11 +7100,11 @@
           <a:lstStyle/>
           <a:p>
             <a:r>
-              <a:rPr lang="en-IN" dirty="0" smtClean="0"/>
+              <a:rPr lang="en-IN" dirty="0"/>
               <a:t>** .</a:t>
             </a:r>
             <a:r>
-              <a:rPr lang="en-IN" dirty="0" err="1" smtClean="0"/>
+              <a:rPr lang="en-IN" dirty="0" err="1"/>
               <a:t>js</a:t>
             </a:r>
             <a:endParaRPr lang="en-IN" dirty="0"/>
@@ -7144,7 +7140,7 @@
           <a:p>
             <a:pPr algn="ctr"/>
             <a:r>
-              <a:rPr lang="en-IN" dirty="0" err="1" smtClean="0"/>
+              <a:rPr lang="en-IN" dirty="0" err="1"/>
               <a:t>jquery</a:t>
             </a:r>
             <a:endParaRPr lang="en-IN" dirty="0"/>
@@ -7219,18 +7215,17 @@
           <a:p>
             <a:pPr algn="ctr"/>
             <a:r>
-              <a:rPr lang="en-IN" dirty="0" smtClean="0"/>
+              <a:rPr lang="en-IN" dirty="0"/>
               <a:t>If you want to use Bootstrap we have to download </a:t>
             </a:r>
             <a:r>
-              <a:rPr lang="en-IN" dirty="0" err="1" smtClean="0"/>
+              <a:rPr lang="en-IN" dirty="0" err="1"/>
               <a:t>jquery</a:t>
             </a:r>
             <a:r>
-              <a:rPr lang="en-IN" dirty="0" smtClean="0"/>
+              <a:rPr lang="en-IN" dirty="0"/>
               <a:t> library</a:t>
             </a:r>
-            <a:endParaRPr lang="en-IN" dirty="0"/>
           </a:p>
         </p:txBody>
       </p:sp>
@@ -7299,10 +7294,9 @@
           <a:p>
             <a:pPr algn="ctr"/>
             <a:r>
-              <a:rPr lang="en-IN" dirty="0" smtClean="0"/>
+              <a:rPr lang="en-IN" dirty="0"/>
               <a:t>Popper.js</a:t>
             </a:r>
-            <a:endParaRPr lang="en-IN" dirty="0"/>
           </a:p>
         </p:txBody>
       </p:sp>
@@ -7316,13 +7310,6 @@
   <p:clrMapOvr>
     <a:masterClrMapping/>
   </p:clrMapOvr>
-  <p:timing>
-    <p:tnLst>
-      <p:par>
-        <p:cTn id="1" dur="indefinite" restart="never" nodeType="tmRoot"/>
-      </p:par>
-    </p:tnLst>
-  </p:timing>
 </p:sld>
 </file>
 
@@ -7366,7 +7353,7 @@
           <a:lstStyle/>
           <a:p>
             <a:r>
-              <a:rPr lang="en-IN" dirty="0" smtClean="0"/>
+              <a:rPr lang="en-IN" dirty="0"/>
               <a:t># If you want to create dynamic web pages minimum required 3 technologies.</a:t>
             </a:r>
           </a:p>
@@ -7375,7 +7362,7 @@
           </a:p>
           <a:p>
             <a:r>
-              <a:rPr lang="en-IN" dirty="0" smtClean="0"/>
+              <a:rPr lang="en-IN" dirty="0"/>
               <a:t>&gt;&gt;     HTML + CSS + JS</a:t>
             </a:r>
           </a:p>
@@ -7384,7 +7371,7 @@
           </a:p>
           <a:p>
             <a:r>
-              <a:rPr lang="en-IN" dirty="0" smtClean="0"/>
+              <a:rPr lang="en-IN" dirty="0"/>
               <a:t># JavaScript – JS is a programming Language</a:t>
             </a:r>
           </a:p>
@@ -7393,7 +7380,7 @@
           </a:p>
           <a:p>
             <a:r>
-              <a:rPr lang="en-IN" dirty="0" smtClean="0"/>
+              <a:rPr lang="en-IN" dirty="0"/>
               <a:t>(Object Oriented &amp; Scripting Language)</a:t>
             </a:r>
           </a:p>
@@ -7402,7 +7389,7 @@
           </a:p>
           <a:p>
             <a:r>
-              <a:rPr lang="en-IN" dirty="0" smtClean="0"/>
+              <a:rPr lang="en-IN" dirty="0"/>
               <a:t># JavaScript can communicate with the server</a:t>
             </a:r>
           </a:p>
@@ -7411,23 +7398,23 @@
           </a:p>
           <a:p>
             <a:r>
-              <a:rPr lang="en-IN" dirty="0" smtClean="0"/>
+              <a:rPr lang="en-IN" dirty="0"/>
               <a:t># If you want to use </a:t>
             </a:r>
             <a:r>
-              <a:rPr lang="en-IN" dirty="0" err="1" smtClean="0"/>
+              <a:rPr lang="en-IN" dirty="0" err="1"/>
               <a:t>jquery</a:t>
             </a:r>
             <a:r>
-              <a:rPr lang="en-IN" dirty="0" smtClean="0"/>
+              <a:rPr lang="en-IN" dirty="0"/>
               <a:t> lib while development need to download </a:t>
             </a:r>
             <a:r>
-              <a:rPr lang="en-IN" dirty="0" err="1" smtClean="0"/>
+              <a:rPr lang="en-IN" dirty="0" err="1"/>
               <a:t>jquery</a:t>
             </a:r>
             <a:r>
-              <a:rPr lang="en-IN" dirty="0" smtClean="0"/>
+              <a:rPr lang="en-IN" dirty="0"/>
               <a:t> lib.</a:t>
             </a:r>
           </a:p>
@@ -7511,10 +7498,9 @@
             <a:lstStyle/>
             <a:p>
               <a:r>
-                <a:rPr lang="en-IN" dirty="0" smtClean="0"/>
+                <a:rPr lang="en-IN" dirty="0"/>
                 <a:t>Create folder name - </a:t>
               </a:r>
-              <a:endParaRPr lang="en-IN" dirty="0"/>
             </a:p>
           </p:txBody>
         </p:sp>
@@ -7560,10 +7546,9 @@
             <a:p>
               <a:pPr algn="ctr"/>
               <a:r>
-                <a:rPr lang="en-IN" dirty="0" smtClean="0"/>
+                <a:rPr lang="en-IN" dirty="0"/>
                 <a:t>bootstrap</a:t>
               </a:r>
-              <a:endParaRPr lang="en-IN" dirty="0"/>
             </a:p>
           </p:txBody>
         </p:sp>
@@ -7596,10 +7581,9 @@
             <a:p>
               <a:pPr algn="ctr"/>
               <a:r>
-                <a:rPr lang="en-IN" dirty="0" smtClean="0"/>
+                <a:rPr lang="en-IN" dirty="0"/>
                 <a:t>Open browser</a:t>
               </a:r>
-              <a:endParaRPr lang="en-IN" dirty="0"/>
             </a:p>
           </p:txBody>
         </p:sp>
@@ -7632,18 +7616,17 @@
             <a:p>
               <a:pPr algn="ctr"/>
               <a:r>
-                <a:rPr lang="en-IN" dirty="0" smtClean="0"/>
+                <a:rPr lang="en-IN" dirty="0"/>
                 <a:t>Search </a:t>
               </a:r>
               <a:r>
-                <a:rPr lang="en-IN" dirty="0" err="1" smtClean="0"/>
+                <a:rPr lang="en-IN" dirty="0" err="1"/>
                 <a:t>BootStrap</a:t>
               </a:r>
               <a:r>
-                <a:rPr lang="en-IN" dirty="0" smtClean="0"/>
+                <a:rPr lang="en-IN" dirty="0"/>
                 <a:t> download</a:t>
               </a:r>
-              <a:endParaRPr lang="en-IN" dirty="0"/>
             </a:p>
           </p:txBody>
         </p:sp>
@@ -7676,10 +7659,9 @@
             <a:p>
               <a:pPr algn="ctr"/>
               <a:r>
-                <a:rPr lang="en-IN" dirty="0" smtClean="0"/>
+                <a:rPr lang="en-IN" dirty="0"/>
                 <a:t>Download Compiled CSS &amp; JS</a:t>
               </a:r>
-              <a:endParaRPr lang="en-IN" dirty="0"/>
             </a:p>
           </p:txBody>
         </p:sp>
@@ -7712,10 +7694,9 @@
             <a:p>
               <a:pPr algn="ctr"/>
               <a:r>
-                <a:rPr lang="en-IN" dirty="0" smtClean="0"/>
+                <a:rPr lang="en-IN" dirty="0"/>
                 <a:t>Unzip download to the bootstrap folder</a:t>
               </a:r>
-              <a:endParaRPr lang="en-IN" dirty="0"/>
             </a:p>
           </p:txBody>
         </p:sp>
@@ -7748,10 +7729,9 @@
             <a:p>
               <a:pPr algn="ctr"/>
               <a:r>
-                <a:rPr lang="en-IN" dirty="0" smtClean="0"/>
+                <a:rPr lang="en-IN" dirty="0"/>
                 <a:t>Jquery.com/download</a:t>
               </a:r>
-              <a:endParaRPr lang="en-IN" dirty="0"/>
             </a:p>
           </p:txBody>
         </p:sp>
@@ -7784,10 +7764,9 @@
             <a:p>
               <a:pPr algn="ctr"/>
               <a:r>
-                <a:rPr lang="en-IN" dirty="0" smtClean="0"/>
+                <a:rPr lang="en-IN" dirty="0"/>
                 <a:t>Unpkg.com/popper.js</a:t>
               </a:r>
-              <a:endParaRPr lang="en-IN" dirty="0"/>
             </a:p>
           </p:txBody>
         </p:sp>
@@ -7860,7 +7839,7 @@
           <a:lstStyle/>
           <a:p>
             <a:r>
-              <a:rPr lang="en-IN" sz="2400" b="1" dirty="0" smtClean="0">
+              <a:rPr lang="en-IN" sz="2400" b="1" dirty="0">
                 <a:solidFill>
                   <a:srgbClr val="C00000"/>
                 </a:solidFill>
@@ -7868,7 +7847,7 @@
               <a:t>Download </a:t>
             </a:r>
             <a:r>
-              <a:rPr lang="en-IN" sz="2400" b="1" dirty="0" err="1" smtClean="0">
+              <a:rPr lang="en-IN" sz="2400" b="1" dirty="0" err="1">
                 <a:solidFill>
                   <a:srgbClr val="C00000"/>
                 </a:solidFill>
@@ -8041,18 +8020,13 @@
           <a:lstStyle/>
           <a:p>
             <a:r>
-              <a:rPr lang="en-IN" sz="2400" b="1" dirty="0" smtClean="0">
+              <a:rPr lang="en-IN" sz="2400" b="1" dirty="0">
                 <a:solidFill>
                   <a:srgbClr val="C00000"/>
                 </a:solidFill>
               </a:rPr>
               <a:t>Folder Structure</a:t>
             </a:r>
-            <a:endParaRPr lang="en-IN" sz="2400" b="1" dirty="0">
-              <a:solidFill>
-                <a:srgbClr val="C00000"/>
-              </a:solidFill>
-            </a:endParaRPr>
           </a:p>
         </p:txBody>
       </p:sp>
@@ -8160,13 +8134,6 @@
   <p:clrMapOvr>
     <a:masterClrMapping/>
   </p:clrMapOvr>
-  <p:timing>
-    <p:tnLst>
-      <p:par>
-        <p:cTn id="1" dur="indefinite" restart="never" nodeType="tmRoot"/>
-      </p:par>
-    </p:tnLst>
-  </p:timing>
 </p:sld>
 </file>
 
@@ -8261,13 +8228,6 @@
   <p:clrMapOvr>
     <a:masterClrMapping/>
   </p:clrMapOvr>
-  <p:timing>
-    <p:tnLst>
-      <p:par>
-        <p:cTn id="1" dur="indefinite" restart="never" nodeType="tmRoot"/>
-      </p:par>
-    </p:tnLst>
-  </p:timing>
 </p:sld>
 </file>
 
@@ -8362,13 +8322,6 @@
   <p:clrMapOvr>
     <a:masterClrMapping/>
   </p:clrMapOvr>
-  <p:timing>
-    <p:tnLst>
-      <p:par>
-        <p:cTn id="1" dur="indefinite" restart="never" nodeType="tmRoot"/>
-      </p:par>
-    </p:tnLst>
-  </p:timing>
 </p:sld>
 </file>
 

--- a/Bootstrap/Bootstrap_Notes.pptx
+++ b/Bootstrap/Bootstrap_Notes.pptx
@@ -31,6 +31,10 @@
     <p:sldId id="279" r:id="rId25"/>
     <p:sldId id="280" r:id="rId26"/>
     <p:sldId id="281" r:id="rId27"/>
+    <p:sldId id="282" r:id="rId28"/>
+    <p:sldId id="283" r:id="rId29"/>
+    <p:sldId id="284" r:id="rId30"/>
+    <p:sldId id="285" r:id="rId31"/>
   </p:sldIdLst>
   <p:sldSz cx="9144000" cy="6858000" type="screen4x3"/>
   <p:notesSz cx="6858000" cy="9144000"/>
@@ -131,7 +135,7 @@
   </p:defaultTextStyle>
   <p:extLst>
     <p:ext uri="{EFAFB233-063F-42B5-8137-9DF3F51BA10A}">
-      <p15:sldGuideLst xmlns:p15="http://schemas.microsoft.com/office/powerpoint/2012/main">
+      <p15:sldGuideLst xmlns:p15="http://schemas.microsoft.com/office/powerpoint/2012/main" xmlns="">
         <p15:guide id="1" orient="horz" pos="2160">
           <p15:clr>
             <a:srgbClr val="A4A3A4"/>
@@ -328,7 +332,7 @@
             <a:fld id="{1D8BD707-D9CF-40AE-B4C6-C98DA3205C09}" type="datetimeFigureOut">
               <a:rPr lang="en-US" smtClean="0"/>
               <a:pPr/>
-              <a:t>11/5/2023</a:t>
+              <a:t>11/15/2023</a:t>
             </a:fld>
             <a:endParaRPr lang="en-US"/>
           </a:p>
@@ -493,7 +497,7 @@
             <a:fld id="{1D8BD707-D9CF-40AE-B4C6-C98DA3205C09}" type="datetimeFigureOut">
               <a:rPr lang="en-US" smtClean="0"/>
               <a:pPr/>
-              <a:t>11/5/2023</a:t>
+              <a:t>11/15/2023</a:t>
             </a:fld>
             <a:endParaRPr lang="en-US"/>
           </a:p>
@@ -668,7 +672,7 @@
             <a:fld id="{1D8BD707-D9CF-40AE-B4C6-C98DA3205C09}" type="datetimeFigureOut">
               <a:rPr lang="en-US" smtClean="0"/>
               <a:pPr/>
-              <a:t>11/5/2023</a:t>
+              <a:t>11/15/2023</a:t>
             </a:fld>
             <a:endParaRPr lang="en-US"/>
           </a:p>
@@ -833,7 +837,7 @@
             <a:fld id="{1D8BD707-D9CF-40AE-B4C6-C98DA3205C09}" type="datetimeFigureOut">
               <a:rPr lang="en-US" smtClean="0"/>
               <a:pPr/>
-              <a:t>11/5/2023</a:t>
+              <a:t>11/15/2023</a:t>
             </a:fld>
             <a:endParaRPr lang="en-US"/>
           </a:p>
@@ -1075,7 +1079,7 @@
             <a:fld id="{1D8BD707-D9CF-40AE-B4C6-C98DA3205C09}" type="datetimeFigureOut">
               <a:rPr lang="en-US" smtClean="0"/>
               <a:pPr/>
-              <a:t>11/5/2023</a:t>
+              <a:t>11/15/2023</a:t>
             </a:fld>
             <a:endParaRPr lang="en-US"/>
           </a:p>
@@ -1357,7 +1361,7 @@
             <a:fld id="{1D8BD707-D9CF-40AE-B4C6-C98DA3205C09}" type="datetimeFigureOut">
               <a:rPr lang="en-US" smtClean="0"/>
               <a:pPr/>
-              <a:t>11/5/2023</a:t>
+              <a:t>11/15/2023</a:t>
             </a:fld>
             <a:endParaRPr lang="en-US"/>
           </a:p>
@@ -1773,7 +1777,7 @@
             <a:fld id="{1D8BD707-D9CF-40AE-B4C6-C98DA3205C09}" type="datetimeFigureOut">
               <a:rPr lang="en-US" smtClean="0"/>
               <a:pPr/>
-              <a:t>11/5/2023</a:t>
+              <a:t>11/15/2023</a:t>
             </a:fld>
             <a:endParaRPr lang="en-US"/>
           </a:p>
@@ -1887,7 +1891,7 @@
             <a:fld id="{1D8BD707-D9CF-40AE-B4C6-C98DA3205C09}" type="datetimeFigureOut">
               <a:rPr lang="en-US" smtClean="0"/>
               <a:pPr/>
-              <a:t>11/5/2023</a:t>
+              <a:t>11/15/2023</a:t>
             </a:fld>
             <a:endParaRPr lang="en-US"/>
           </a:p>
@@ -1979,7 +1983,7 @@
             <a:fld id="{1D8BD707-D9CF-40AE-B4C6-C98DA3205C09}" type="datetimeFigureOut">
               <a:rPr lang="en-US" smtClean="0"/>
               <a:pPr/>
-              <a:t>11/5/2023</a:t>
+              <a:t>11/15/2023</a:t>
             </a:fld>
             <a:endParaRPr lang="en-US"/>
           </a:p>
@@ -2251,7 +2255,7 @@
             <a:fld id="{1D8BD707-D9CF-40AE-B4C6-C98DA3205C09}" type="datetimeFigureOut">
               <a:rPr lang="en-US" smtClean="0"/>
               <a:pPr/>
-              <a:t>11/5/2023</a:t>
+              <a:t>11/15/2023</a:t>
             </a:fld>
             <a:endParaRPr lang="en-US"/>
           </a:p>
@@ -2500,7 +2504,7 @@
             <a:fld id="{1D8BD707-D9CF-40AE-B4C6-C98DA3205C09}" type="datetimeFigureOut">
               <a:rPr lang="en-US" smtClean="0"/>
               <a:pPr/>
-              <a:t>11/5/2023</a:t>
+              <a:t>11/15/2023</a:t>
             </a:fld>
             <a:endParaRPr lang="en-US"/>
           </a:p>
@@ -2708,7 +2712,7 @@
             <a:fld id="{1D8BD707-D9CF-40AE-B4C6-C98DA3205C09}" type="datetimeFigureOut">
               <a:rPr lang="en-US" smtClean="0"/>
               <a:pPr/>
-              <a:t>11/5/2023</a:t>
+              <a:t>11/15/2023</a:t>
             </a:fld>
             <a:endParaRPr lang="en-US"/>
           </a:p>
@@ -5121,84 +5125,84 @@
                 <a:gridCol w="704850">
                   <a:extLst>
                     <a:ext uri="{9D8B030D-6E8A-4147-A177-3AD203B41FA5}">
-                      <a16:colId xmlns:a16="http://schemas.microsoft.com/office/drawing/2014/main" val="20000"/>
+                      <a16:colId xmlns:a16="http://schemas.microsoft.com/office/drawing/2014/main" xmlns="" val="20000"/>
                     </a:ext>
                   </a:extLst>
                 </a:gridCol>
                 <a:gridCol w="704850">
                   <a:extLst>
                     <a:ext uri="{9D8B030D-6E8A-4147-A177-3AD203B41FA5}">
-                      <a16:colId xmlns:a16="http://schemas.microsoft.com/office/drawing/2014/main" val="20001"/>
+                      <a16:colId xmlns:a16="http://schemas.microsoft.com/office/drawing/2014/main" xmlns="" val="20001"/>
                     </a:ext>
                   </a:extLst>
                 </a:gridCol>
                 <a:gridCol w="704850">
                   <a:extLst>
                     <a:ext uri="{9D8B030D-6E8A-4147-A177-3AD203B41FA5}">
-                      <a16:colId xmlns:a16="http://schemas.microsoft.com/office/drawing/2014/main" val="20002"/>
+                      <a16:colId xmlns:a16="http://schemas.microsoft.com/office/drawing/2014/main" xmlns="" val="20002"/>
                     </a:ext>
                   </a:extLst>
                 </a:gridCol>
                 <a:gridCol w="704850">
                   <a:extLst>
                     <a:ext uri="{9D8B030D-6E8A-4147-A177-3AD203B41FA5}">
-                      <a16:colId xmlns:a16="http://schemas.microsoft.com/office/drawing/2014/main" val="20003"/>
+                      <a16:colId xmlns:a16="http://schemas.microsoft.com/office/drawing/2014/main" xmlns="" val="20003"/>
                     </a:ext>
                   </a:extLst>
                 </a:gridCol>
                 <a:gridCol w="704850">
                   <a:extLst>
                     <a:ext uri="{9D8B030D-6E8A-4147-A177-3AD203B41FA5}">
-                      <a16:colId xmlns:a16="http://schemas.microsoft.com/office/drawing/2014/main" val="20004"/>
+                      <a16:colId xmlns:a16="http://schemas.microsoft.com/office/drawing/2014/main" xmlns="" val="20004"/>
                     </a:ext>
                   </a:extLst>
                 </a:gridCol>
                 <a:gridCol w="704850">
                   <a:extLst>
                     <a:ext uri="{9D8B030D-6E8A-4147-A177-3AD203B41FA5}">
-                      <a16:colId xmlns:a16="http://schemas.microsoft.com/office/drawing/2014/main" val="20005"/>
+                      <a16:colId xmlns:a16="http://schemas.microsoft.com/office/drawing/2014/main" xmlns="" val="20005"/>
                     </a:ext>
                   </a:extLst>
                 </a:gridCol>
                 <a:gridCol w="704850">
                   <a:extLst>
                     <a:ext uri="{9D8B030D-6E8A-4147-A177-3AD203B41FA5}">
-                      <a16:colId xmlns:a16="http://schemas.microsoft.com/office/drawing/2014/main" val="20006"/>
+                      <a16:colId xmlns:a16="http://schemas.microsoft.com/office/drawing/2014/main" xmlns="" val="20006"/>
                     </a:ext>
                   </a:extLst>
                 </a:gridCol>
                 <a:gridCol w="704850">
                   <a:extLst>
                     <a:ext uri="{9D8B030D-6E8A-4147-A177-3AD203B41FA5}">
-                      <a16:colId xmlns:a16="http://schemas.microsoft.com/office/drawing/2014/main" val="20007"/>
+                      <a16:colId xmlns:a16="http://schemas.microsoft.com/office/drawing/2014/main" xmlns="" val="20007"/>
                     </a:ext>
                   </a:extLst>
                 </a:gridCol>
                 <a:gridCol w="704850">
                   <a:extLst>
                     <a:ext uri="{9D8B030D-6E8A-4147-A177-3AD203B41FA5}">
-                      <a16:colId xmlns:a16="http://schemas.microsoft.com/office/drawing/2014/main" val="20008"/>
+                      <a16:colId xmlns:a16="http://schemas.microsoft.com/office/drawing/2014/main" xmlns="" val="20008"/>
                     </a:ext>
                   </a:extLst>
                 </a:gridCol>
                 <a:gridCol w="704850">
                   <a:extLst>
                     <a:ext uri="{9D8B030D-6E8A-4147-A177-3AD203B41FA5}">
-                      <a16:colId xmlns:a16="http://schemas.microsoft.com/office/drawing/2014/main" val="20009"/>
+                      <a16:colId xmlns:a16="http://schemas.microsoft.com/office/drawing/2014/main" xmlns="" val="20009"/>
                     </a:ext>
                   </a:extLst>
                 </a:gridCol>
                 <a:gridCol w="704850">
                   <a:extLst>
                     <a:ext uri="{9D8B030D-6E8A-4147-A177-3AD203B41FA5}">
-                      <a16:colId xmlns:a16="http://schemas.microsoft.com/office/drawing/2014/main" val="20010"/>
+                      <a16:colId xmlns:a16="http://schemas.microsoft.com/office/drawing/2014/main" xmlns="" val="20010"/>
                     </a:ext>
                   </a:extLst>
                 </a:gridCol>
                 <a:gridCol w="704850">
                   <a:extLst>
                     <a:ext uri="{9D8B030D-6E8A-4147-A177-3AD203B41FA5}">
-                      <a16:colId xmlns:a16="http://schemas.microsoft.com/office/drawing/2014/main" val="20011"/>
+                      <a16:colId xmlns:a16="http://schemas.microsoft.com/office/drawing/2014/main" xmlns="" val="20011"/>
                     </a:ext>
                   </a:extLst>
                 </a:gridCol>
@@ -5374,7 +5378,7 @@
                 </a:tc>
                 <a:extLst>
                   <a:ext uri="{0D108BD9-81ED-4DB2-BD59-A6C34878D82A}">
-                    <a16:rowId xmlns:a16="http://schemas.microsoft.com/office/drawing/2014/main" val="10000"/>
+                    <a16:rowId xmlns:a16="http://schemas.microsoft.com/office/drawing/2014/main" xmlns="" val="10000"/>
                   </a:ext>
                 </a:extLst>
               </a:tr>
@@ -5410,21 +5414,21 @@
                 <a:gridCol w="2794000">
                   <a:extLst>
                     <a:ext uri="{9D8B030D-6E8A-4147-A177-3AD203B41FA5}">
-                      <a16:colId xmlns:a16="http://schemas.microsoft.com/office/drawing/2014/main" val="20000"/>
+                      <a16:colId xmlns:a16="http://schemas.microsoft.com/office/drawing/2014/main" xmlns="" val="20000"/>
                     </a:ext>
                   </a:extLst>
                 </a:gridCol>
                 <a:gridCol w="2794000">
                   <a:extLst>
                     <a:ext uri="{9D8B030D-6E8A-4147-A177-3AD203B41FA5}">
-                      <a16:colId xmlns:a16="http://schemas.microsoft.com/office/drawing/2014/main" val="20001"/>
+                      <a16:colId xmlns:a16="http://schemas.microsoft.com/office/drawing/2014/main" xmlns="" val="20001"/>
                     </a:ext>
                   </a:extLst>
                 </a:gridCol>
                 <a:gridCol w="2794000">
                   <a:extLst>
                     <a:ext uri="{9D8B030D-6E8A-4147-A177-3AD203B41FA5}">
-                      <a16:colId xmlns:a16="http://schemas.microsoft.com/office/drawing/2014/main" val="20002"/>
+                      <a16:colId xmlns:a16="http://schemas.microsoft.com/office/drawing/2014/main" xmlns="" val="20002"/>
                     </a:ext>
                   </a:extLst>
                 </a:gridCol>
@@ -5474,7 +5478,7 @@
                 </a:tc>
                 <a:extLst>
                   <a:ext uri="{0D108BD9-81ED-4DB2-BD59-A6C34878D82A}">
-                    <a16:rowId xmlns:a16="http://schemas.microsoft.com/office/drawing/2014/main" val="10000"/>
+                    <a16:rowId xmlns:a16="http://schemas.microsoft.com/office/drawing/2014/main" xmlns="" val="10000"/>
                   </a:ext>
                 </a:extLst>
               </a:tr>
@@ -5510,21 +5514,21 @@
                 <a:gridCol w="1752600">
                   <a:extLst>
                     <a:ext uri="{9D8B030D-6E8A-4147-A177-3AD203B41FA5}">
-                      <a16:colId xmlns:a16="http://schemas.microsoft.com/office/drawing/2014/main" val="20000"/>
+                      <a16:colId xmlns:a16="http://schemas.microsoft.com/office/drawing/2014/main" xmlns="" val="20000"/>
                     </a:ext>
                   </a:extLst>
                 </a:gridCol>
                 <a:gridCol w="4800600">
                   <a:extLst>
                     <a:ext uri="{9D8B030D-6E8A-4147-A177-3AD203B41FA5}">
-                      <a16:colId xmlns:a16="http://schemas.microsoft.com/office/drawing/2014/main" val="20001"/>
+                      <a16:colId xmlns:a16="http://schemas.microsoft.com/office/drawing/2014/main" xmlns="" val="20001"/>
                     </a:ext>
                   </a:extLst>
                 </a:gridCol>
                 <a:gridCol w="1828800">
                   <a:extLst>
                     <a:ext uri="{9D8B030D-6E8A-4147-A177-3AD203B41FA5}">
-                      <a16:colId xmlns:a16="http://schemas.microsoft.com/office/drawing/2014/main" val="20002"/>
+                      <a16:colId xmlns:a16="http://schemas.microsoft.com/office/drawing/2014/main" xmlns="" val="20002"/>
                     </a:ext>
                   </a:extLst>
                 </a:gridCol>
@@ -5574,7 +5578,7 @@
                 </a:tc>
                 <a:extLst>
                   <a:ext uri="{0D108BD9-81ED-4DB2-BD59-A6C34878D82A}">
-                    <a16:rowId xmlns:a16="http://schemas.microsoft.com/office/drawing/2014/main" val="10000"/>
+                    <a16:rowId xmlns:a16="http://schemas.microsoft.com/office/drawing/2014/main" xmlns="" val="10000"/>
                   </a:ext>
                 </a:extLst>
               </a:tr>
@@ -6856,6 +6860,334 @@
 </p:sld>
 </file>
 
+<file path=ppt/slides/slide27.xml><?xml version="1.0" encoding="utf-8"?>
+<p:sld xmlns:a="http://schemas.openxmlformats.org/drawingml/2006/main" xmlns:r="http://schemas.openxmlformats.org/officeDocument/2006/relationships" xmlns:p="http://schemas.openxmlformats.org/presentationml/2006/main">
+  <p:cSld>
+    <p:spTree>
+      <p:nvGrpSpPr>
+        <p:cNvPr id="1" name=""/>
+        <p:cNvGrpSpPr/>
+        <p:nvPr/>
+      </p:nvGrpSpPr>
+      <p:grpSpPr>
+        <a:xfrm>
+          <a:off x="0" y="0"/>
+          <a:ext cx="0" cy="0"/>
+          <a:chOff x="0" y="0"/>
+          <a:chExt cx="0" cy="0"/>
+        </a:xfrm>
+      </p:grpSpPr>
+      <p:pic>
+        <p:nvPicPr>
+          <p:cNvPr id="1026" name="Picture 2"/>
+          <p:cNvPicPr>
+            <a:picLocks noChangeAspect="1" noChangeArrowheads="1"/>
+          </p:cNvPicPr>
+          <p:nvPr/>
+        </p:nvPicPr>
+        <p:blipFill>
+          <a:blip r:embed="rId2">
+            <a:extLst>
+              <a:ext uri="{28A0092B-C50C-407E-A947-70E740481C1C}">
+                <a14:useLocalDpi xmlns:a14="http://schemas.microsoft.com/office/drawing/2010/main" val="0"/>
+              </a:ext>
+            </a:extLst>
+          </a:blip>
+          <a:srcRect/>
+          <a:stretch>
+            <a:fillRect/>
+          </a:stretch>
+        </p:blipFill>
+        <p:spPr bwMode="auto">
+          <a:xfrm>
+            <a:off x="23812" y="0"/>
+            <a:ext cx="4929188" cy="6800650"/>
+          </a:xfrm>
+          <a:prstGeom prst="rect">
+            <a:avLst/>
+          </a:prstGeom>
+          <a:noFill/>
+          <a:ln>
+            <a:noFill/>
+          </a:ln>
+          <a:effectLst/>
+          <a:extLst>
+            <a:ext uri="{909E8E84-426E-40DD-AFC4-6F175D3DCCD1}">
+              <a14:hiddenFill xmlns:a14="http://schemas.microsoft.com/office/drawing/2010/main">
+                <a:solidFill>
+                  <a:schemeClr val="accent1"/>
+                </a:solidFill>
+              </a14:hiddenFill>
+            </a:ext>
+            <a:ext uri="{91240B29-F687-4F45-9708-019B960494DF}">
+              <a14:hiddenLine xmlns:a14="http://schemas.microsoft.com/office/drawing/2010/main" w="9525">
+                <a:solidFill>
+                  <a:schemeClr val="tx1"/>
+                </a:solidFill>
+                <a:miter lim="800000"/>
+                <a:headEnd/>
+                <a:tailEnd/>
+              </a14:hiddenLine>
+            </a:ext>
+            <a:ext uri="{AF507438-7753-43E0-B8FC-AC1667EBCBE1}">
+              <a14:hiddenEffects xmlns:a14="http://schemas.microsoft.com/office/drawing/2010/main">
+                <a:effectLst>
+                  <a:outerShdw dist="35921" dir="2700000" algn="ctr" rotWithShape="0">
+                    <a:schemeClr val="bg2"/>
+                  </a:outerShdw>
+                </a:effectLst>
+              </a14:hiddenEffects>
+            </a:ext>
+          </a:extLst>
+        </p:spPr>
+      </p:pic>
+    </p:spTree>
+    <p:extLst>
+      <p:ext uri="{BB962C8B-B14F-4D97-AF65-F5344CB8AC3E}">
+        <p14:creationId xmlns:p14="http://schemas.microsoft.com/office/powerpoint/2010/main" val="1927609155"/>
+      </p:ext>
+    </p:extLst>
+  </p:cSld>
+  <p:clrMapOvr>
+    <a:masterClrMapping/>
+  </p:clrMapOvr>
+</p:sld>
+</file>
+
+<file path=ppt/slides/slide28.xml><?xml version="1.0" encoding="utf-8"?>
+<p:sld xmlns:a="http://schemas.openxmlformats.org/drawingml/2006/main" xmlns:r="http://schemas.openxmlformats.org/officeDocument/2006/relationships" xmlns:p="http://schemas.openxmlformats.org/presentationml/2006/main">
+  <p:cSld>
+    <p:spTree>
+      <p:nvGrpSpPr>
+        <p:cNvPr id="1" name=""/>
+        <p:cNvGrpSpPr/>
+        <p:nvPr/>
+      </p:nvGrpSpPr>
+      <p:grpSpPr>
+        <a:xfrm>
+          <a:off x="0" y="0"/>
+          <a:ext cx="0" cy="0"/>
+          <a:chOff x="0" y="0"/>
+          <a:chExt cx="0" cy="0"/>
+        </a:xfrm>
+      </p:grpSpPr>
+      <p:pic>
+        <p:nvPicPr>
+          <p:cNvPr id="2050" name="Picture 2"/>
+          <p:cNvPicPr>
+            <a:picLocks noChangeAspect="1" noChangeArrowheads="1"/>
+          </p:cNvPicPr>
+          <p:nvPr/>
+        </p:nvPicPr>
+        <p:blipFill>
+          <a:blip r:embed="rId2">
+            <a:extLst>
+              <a:ext uri="{28A0092B-C50C-407E-A947-70E740481C1C}">
+                <a14:useLocalDpi xmlns:a14="http://schemas.microsoft.com/office/drawing/2010/main" val="0"/>
+              </a:ext>
+            </a:extLst>
+          </a:blip>
+          <a:srcRect/>
+          <a:stretch>
+            <a:fillRect/>
+          </a:stretch>
+        </p:blipFill>
+        <p:spPr bwMode="auto">
+          <a:xfrm>
+            <a:off x="0" y="0"/>
+            <a:ext cx="4940668" cy="6629400"/>
+          </a:xfrm>
+          <a:prstGeom prst="rect">
+            <a:avLst/>
+          </a:prstGeom>
+          <a:noFill/>
+          <a:ln>
+            <a:noFill/>
+          </a:ln>
+          <a:effectLst/>
+          <a:extLst>
+            <a:ext uri="{909E8E84-426E-40DD-AFC4-6F175D3DCCD1}">
+              <a14:hiddenFill xmlns:a14="http://schemas.microsoft.com/office/drawing/2010/main">
+                <a:solidFill>
+                  <a:schemeClr val="accent1"/>
+                </a:solidFill>
+              </a14:hiddenFill>
+            </a:ext>
+            <a:ext uri="{91240B29-F687-4F45-9708-019B960494DF}">
+              <a14:hiddenLine xmlns:a14="http://schemas.microsoft.com/office/drawing/2010/main" w="9525">
+                <a:solidFill>
+                  <a:schemeClr val="tx1"/>
+                </a:solidFill>
+                <a:miter lim="800000"/>
+                <a:headEnd/>
+                <a:tailEnd/>
+              </a14:hiddenLine>
+            </a:ext>
+            <a:ext uri="{AF507438-7753-43E0-B8FC-AC1667EBCBE1}">
+              <a14:hiddenEffects xmlns:a14="http://schemas.microsoft.com/office/drawing/2010/main">
+                <a:effectLst>
+                  <a:outerShdw dist="35921" dir="2700000" algn="ctr" rotWithShape="0">
+                    <a:schemeClr val="bg2"/>
+                  </a:outerShdw>
+                </a:effectLst>
+              </a14:hiddenEffects>
+            </a:ext>
+          </a:extLst>
+        </p:spPr>
+      </p:pic>
+    </p:spTree>
+    <p:extLst>
+      <p:ext uri="{BB962C8B-B14F-4D97-AF65-F5344CB8AC3E}">
+        <p14:creationId xmlns:p14="http://schemas.microsoft.com/office/powerpoint/2010/main" val="3862695173"/>
+      </p:ext>
+    </p:extLst>
+  </p:cSld>
+  <p:clrMapOvr>
+    <a:masterClrMapping/>
+  </p:clrMapOvr>
+</p:sld>
+</file>
+
+<file path=ppt/slides/slide29.xml><?xml version="1.0" encoding="utf-8"?>
+<p:sld xmlns:a="http://schemas.openxmlformats.org/drawingml/2006/main" xmlns:r="http://schemas.openxmlformats.org/officeDocument/2006/relationships" xmlns:p="http://schemas.openxmlformats.org/presentationml/2006/main">
+  <p:cSld>
+    <p:spTree>
+      <p:nvGrpSpPr>
+        <p:cNvPr id="1" name=""/>
+        <p:cNvGrpSpPr/>
+        <p:nvPr/>
+      </p:nvGrpSpPr>
+      <p:grpSpPr>
+        <a:xfrm>
+          <a:off x="0" y="0"/>
+          <a:ext cx="0" cy="0"/>
+          <a:chOff x="0" y="0"/>
+          <a:chExt cx="0" cy="0"/>
+        </a:xfrm>
+      </p:grpSpPr>
+      <p:pic>
+        <p:nvPicPr>
+          <p:cNvPr id="3074" name="Picture 2"/>
+          <p:cNvPicPr>
+            <a:picLocks noChangeAspect="1" noChangeArrowheads="1"/>
+          </p:cNvPicPr>
+          <p:nvPr/>
+        </p:nvPicPr>
+        <p:blipFill>
+          <a:blip r:embed="rId2">
+            <a:extLst>
+              <a:ext uri="{28A0092B-C50C-407E-A947-70E740481C1C}">
+                <a14:useLocalDpi xmlns:a14="http://schemas.microsoft.com/office/drawing/2010/main" val="0"/>
+              </a:ext>
+            </a:extLst>
+          </a:blip>
+          <a:srcRect/>
+          <a:stretch>
+            <a:fillRect/>
+          </a:stretch>
+        </p:blipFill>
+        <p:spPr bwMode="auto">
+          <a:xfrm>
+            <a:off x="0" y="541337"/>
+            <a:ext cx="6773863" cy="6316663"/>
+          </a:xfrm>
+          <a:prstGeom prst="rect">
+            <a:avLst/>
+          </a:prstGeom>
+          <a:noFill/>
+          <a:ln>
+            <a:noFill/>
+          </a:ln>
+          <a:effectLst/>
+          <a:extLst>
+            <a:ext uri="{909E8E84-426E-40DD-AFC4-6F175D3DCCD1}">
+              <a14:hiddenFill xmlns:a14="http://schemas.microsoft.com/office/drawing/2010/main">
+                <a:solidFill>
+                  <a:schemeClr val="accent1"/>
+                </a:solidFill>
+              </a14:hiddenFill>
+            </a:ext>
+            <a:ext uri="{91240B29-F687-4F45-9708-019B960494DF}">
+              <a14:hiddenLine xmlns:a14="http://schemas.microsoft.com/office/drawing/2010/main" w="9525">
+                <a:solidFill>
+                  <a:schemeClr val="tx1"/>
+                </a:solidFill>
+                <a:miter lim="800000"/>
+                <a:headEnd/>
+                <a:tailEnd/>
+              </a14:hiddenLine>
+            </a:ext>
+            <a:ext uri="{AF507438-7753-43E0-B8FC-AC1667EBCBE1}">
+              <a14:hiddenEffects xmlns:a14="http://schemas.microsoft.com/office/drawing/2010/main">
+                <a:effectLst>
+                  <a:outerShdw dist="35921" dir="2700000" algn="ctr" rotWithShape="0">
+                    <a:schemeClr val="bg2"/>
+                  </a:outerShdw>
+                </a:effectLst>
+              </a14:hiddenEffects>
+            </a:ext>
+          </a:extLst>
+        </p:spPr>
+      </p:pic>
+      <p:sp>
+        <p:nvSpPr>
+          <p:cNvPr id="2" name="TextBox 1"/>
+          <p:cNvSpPr txBox="1"/>
+          <p:nvPr/>
+        </p:nvSpPr>
+        <p:spPr>
+          <a:xfrm>
+            <a:off x="304800" y="0"/>
+            <a:ext cx="5105400" cy="369332"/>
+          </a:xfrm>
+          <a:prstGeom prst="rect">
+            <a:avLst/>
+          </a:prstGeom>
+          <a:noFill/>
+        </p:spPr>
+        <p:txBody>
+          <a:bodyPr wrap="square" rtlCol="0">
+            <a:spAutoFit/>
+          </a:bodyPr>
+          <a:lstStyle/>
+          <a:p>
+            <a:r>
+              <a:rPr lang="en-IN" b="1" dirty="0" err="1" smtClean="0">
+                <a:solidFill>
+                  <a:srgbClr val="C00000"/>
+                </a:solidFill>
+              </a:rPr>
+              <a:t>BootStrap</a:t>
+            </a:r>
+            <a:r>
+              <a:rPr lang="en-IN" b="1" dirty="0" smtClean="0">
+                <a:solidFill>
+                  <a:srgbClr val="C00000"/>
+                </a:solidFill>
+              </a:rPr>
+              <a:t> Alert</a:t>
+            </a:r>
+            <a:endParaRPr lang="en-IN" b="1" dirty="0">
+              <a:solidFill>
+                <a:srgbClr val="C00000"/>
+              </a:solidFill>
+            </a:endParaRPr>
+          </a:p>
+        </p:txBody>
+      </p:sp>
+    </p:spTree>
+    <p:extLst>
+      <p:ext uri="{BB962C8B-B14F-4D97-AF65-F5344CB8AC3E}">
+        <p14:creationId xmlns:p14="http://schemas.microsoft.com/office/powerpoint/2010/main" val="1525434676"/>
+      </p:ext>
+    </p:extLst>
+  </p:cSld>
+  <p:clrMapOvr>
+    <a:masterClrMapping/>
+  </p:clrMapOvr>
+</p:sld>
+</file>
+
 <file path=ppt/slides/slide3.xml><?xml version="1.0" encoding="utf-8"?>
 <p:sld xmlns:a="http://schemas.openxmlformats.org/drawingml/2006/main" xmlns:r="http://schemas.openxmlformats.org/officeDocument/2006/relationships" xmlns:p="http://schemas.openxmlformats.org/presentationml/2006/main">
   <p:cSld>
@@ -7304,6 +7636,100 @@
     <p:extLst>
       <p:ext uri="{BB962C8B-B14F-4D97-AF65-F5344CB8AC3E}">
         <p14:creationId xmlns:p14="http://schemas.microsoft.com/office/powerpoint/2010/main" val="3252861146"/>
+      </p:ext>
+    </p:extLst>
+  </p:cSld>
+  <p:clrMapOvr>
+    <a:masterClrMapping/>
+  </p:clrMapOvr>
+</p:sld>
+</file>
+
+<file path=ppt/slides/slide30.xml><?xml version="1.0" encoding="utf-8"?>
+<p:sld xmlns:a="http://schemas.openxmlformats.org/drawingml/2006/main" xmlns:r="http://schemas.openxmlformats.org/officeDocument/2006/relationships" xmlns:p="http://schemas.openxmlformats.org/presentationml/2006/main">
+  <p:cSld>
+    <p:spTree>
+      <p:nvGrpSpPr>
+        <p:cNvPr id="1" name=""/>
+        <p:cNvGrpSpPr/>
+        <p:nvPr/>
+      </p:nvGrpSpPr>
+      <p:grpSpPr>
+        <a:xfrm>
+          <a:off x="0" y="0"/>
+          <a:ext cx="0" cy="0"/>
+          <a:chOff x="0" y="0"/>
+          <a:chExt cx="0" cy="0"/>
+        </a:xfrm>
+      </p:grpSpPr>
+      <p:pic>
+        <p:nvPicPr>
+          <p:cNvPr id="4098" name="Picture 2"/>
+          <p:cNvPicPr>
+            <a:picLocks noChangeAspect="1" noChangeArrowheads="1"/>
+          </p:cNvPicPr>
+          <p:nvPr/>
+        </p:nvPicPr>
+        <p:blipFill>
+          <a:blip r:embed="rId2">
+            <a:extLst>
+              <a:ext uri="{28A0092B-C50C-407E-A947-70E740481C1C}">
+                <a14:useLocalDpi xmlns:a14="http://schemas.microsoft.com/office/drawing/2010/main" val="0"/>
+              </a:ext>
+            </a:extLst>
+          </a:blip>
+          <a:srcRect/>
+          <a:stretch>
+            <a:fillRect/>
+          </a:stretch>
+        </p:blipFill>
+        <p:spPr bwMode="auto">
+          <a:xfrm>
+            <a:off x="152400" y="76200"/>
+            <a:ext cx="7069250" cy="6629400"/>
+          </a:xfrm>
+          <a:prstGeom prst="rect">
+            <a:avLst/>
+          </a:prstGeom>
+          <a:noFill/>
+          <a:ln>
+            <a:noFill/>
+          </a:ln>
+          <a:effectLst/>
+          <a:extLst>
+            <a:ext uri="{909E8E84-426E-40DD-AFC4-6F175D3DCCD1}">
+              <a14:hiddenFill xmlns:a14="http://schemas.microsoft.com/office/drawing/2010/main">
+                <a:solidFill>
+                  <a:schemeClr val="accent1"/>
+                </a:solidFill>
+              </a14:hiddenFill>
+            </a:ext>
+            <a:ext uri="{91240B29-F687-4F45-9708-019B960494DF}">
+              <a14:hiddenLine xmlns:a14="http://schemas.microsoft.com/office/drawing/2010/main" w="9525">
+                <a:solidFill>
+                  <a:schemeClr val="tx1"/>
+                </a:solidFill>
+                <a:miter lim="800000"/>
+                <a:headEnd/>
+                <a:tailEnd/>
+              </a14:hiddenLine>
+            </a:ext>
+            <a:ext uri="{AF507438-7753-43E0-B8FC-AC1667EBCBE1}">
+              <a14:hiddenEffects xmlns:a14="http://schemas.microsoft.com/office/drawing/2010/main">
+                <a:effectLst>
+                  <a:outerShdw dist="35921" dir="2700000" algn="ctr" rotWithShape="0">
+                    <a:schemeClr val="bg2"/>
+                  </a:outerShdw>
+                </a:effectLst>
+              </a14:hiddenEffects>
+            </a:ext>
+          </a:extLst>
+        </p:spPr>
+      </p:pic>
+    </p:spTree>
+    <p:extLst>
+      <p:ext uri="{BB962C8B-B14F-4D97-AF65-F5344CB8AC3E}">
+        <p14:creationId xmlns:p14="http://schemas.microsoft.com/office/powerpoint/2010/main" val="951568766"/>
       </p:ext>
     </p:extLst>
   </p:cSld>

--- a/Bootstrap/Bootstrap_Notes.pptx
+++ b/Bootstrap/Bootstrap_Notes.pptx
@@ -35,6 +35,7 @@
     <p:sldId id="283" r:id="rId29"/>
     <p:sldId id="284" r:id="rId30"/>
     <p:sldId id="285" r:id="rId31"/>
+    <p:sldId id="286" r:id="rId32"/>
   </p:sldIdLst>
   <p:sldSz cx="9144000" cy="6858000" type="screen4x3"/>
   <p:notesSz cx="6858000" cy="9144000"/>
@@ -135,7 +136,7 @@
   </p:defaultTextStyle>
   <p:extLst>
     <p:ext uri="{EFAFB233-063F-42B5-8137-9DF3F51BA10A}">
-      <p15:sldGuideLst xmlns:p15="http://schemas.microsoft.com/office/powerpoint/2012/main" xmlns="">
+      <p15:sldGuideLst xmlns="" xmlns:p15="http://schemas.microsoft.com/office/powerpoint/2012/main">
         <p15:guide id="1" orient="horz" pos="2160">
           <p15:clr>
             <a:srgbClr val="A4A3A4"/>
@@ -5125,84 +5126,84 @@
                 <a:gridCol w="704850">
                   <a:extLst>
                     <a:ext uri="{9D8B030D-6E8A-4147-A177-3AD203B41FA5}">
-                      <a16:colId xmlns:a16="http://schemas.microsoft.com/office/drawing/2014/main" xmlns="" val="20000"/>
+                      <a16:colId xmlns="" xmlns:a16="http://schemas.microsoft.com/office/drawing/2014/main" val="20000"/>
                     </a:ext>
                   </a:extLst>
                 </a:gridCol>
                 <a:gridCol w="704850">
                   <a:extLst>
                     <a:ext uri="{9D8B030D-6E8A-4147-A177-3AD203B41FA5}">
-                      <a16:colId xmlns:a16="http://schemas.microsoft.com/office/drawing/2014/main" xmlns="" val="20001"/>
+                      <a16:colId xmlns="" xmlns:a16="http://schemas.microsoft.com/office/drawing/2014/main" val="20001"/>
                     </a:ext>
                   </a:extLst>
                 </a:gridCol>
                 <a:gridCol w="704850">
                   <a:extLst>
                     <a:ext uri="{9D8B030D-6E8A-4147-A177-3AD203B41FA5}">
-                      <a16:colId xmlns:a16="http://schemas.microsoft.com/office/drawing/2014/main" xmlns="" val="20002"/>
+                      <a16:colId xmlns="" xmlns:a16="http://schemas.microsoft.com/office/drawing/2014/main" val="20002"/>
                     </a:ext>
                   </a:extLst>
                 </a:gridCol>
                 <a:gridCol w="704850">
                   <a:extLst>
                     <a:ext uri="{9D8B030D-6E8A-4147-A177-3AD203B41FA5}">
-                      <a16:colId xmlns:a16="http://schemas.microsoft.com/office/drawing/2014/main" xmlns="" val="20003"/>
+                      <a16:colId xmlns="" xmlns:a16="http://schemas.microsoft.com/office/drawing/2014/main" val="20003"/>
                     </a:ext>
                   </a:extLst>
                 </a:gridCol>
                 <a:gridCol w="704850">
                   <a:extLst>
                     <a:ext uri="{9D8B030D-6E8A-4147-A177-3AD203B41FA5}">
-                      <a16:colId xmlns:a16="http://schemas.microsoft.com/office/drawing/2014/main" xmlns="" val="20004"/>
+                      <a16:colId xmlns="" xmlns:a16="http://schemas.microsoft.com/office/drawing/2014/main" val="20004"/>
                     </a:ext>
                   </a:extLst>
                 </a:gridCol>
                 <a:gridCol w="704850">
                   <a:extLst>
                     <a:ext uri="{9D8B030D-6E8A-4147-A177-3AD203B41FA5}">
-                      <a16:colId xmlns:a16="http://schemas.microsoft.com/office/drawing/2014/main" xmlns="" val="20005"/>
+                      <a16:colId xmlns="" xmlns:a16="http://schemas.microsoft.com/office/drawing/2014/main" val="20005"/>
                     </a:ext>
                   </a:extLst>
                 </a:gridCol>
                 <a:gridCol w="704850">
                   <a:extLst>
                     <a:ext uri="{9D8B030D-6E8A-4147-A177-3AD203B41FA5}">
-                      <a16:colId xmlns:a16="http://schemas.microsoft.com/office/drawing/2014/main" xmlns="" val="20006"/>
+                      <a16:colId xmlns="" xmlns:a16="http://schemas.microsoft.com/office/drawing/2014/main" val="20006"/>
                     </a:ext>
                   </a:extLst>
                 </a:gridCol>
                 <a:gridCol w="704850">
                   <a:extLst>
                     <a:ext uri="{9D8B030D-6E8A-4147-A177-3AD203B41FA5}">
-                      <a16:colId xmlns:a16="http://schemas.microsoft.com/office/drawing/2014/main" xmlns="" val="20007"/>
+                      <a16:colId xmlns="" xmlns:a16="http://schemas.microsoft.com/office/drawing/2014/main" val="20007"/>
                     </a:ext>
                   </a:extLst>
                 </a:gridCol>
                 <a:gridCol w="704850">
                   <a:extLst>
                     <a:ext uri="{9D8B030D-6E8A-4147-A177-3AD203B41FA5}">
-                      <a16:colId xmlns:a16="http://schemas.microsoft.com/office/drawing/2014/main" xmlns="" val="20008"/>
+                      <a16:colId xmlns="" xmlns:a16="http://schemas.microsoft.com/office/drawing/2014/main" val="20008"/>
                     </a:ext>
                   </a:extLst>
                 </a:gridCol>
                 <a:gridCol w="704850">
                   <a:extLst>
                     <a:ext uri="{9D8B030D-6E8A-4147-A177-3AD203B41FA5}">
-                      <a16:colId xmlns:a16="http://schemas.microsoft.com/office/drawing/2014/main" xmlns="" val="20009"/>
+                      <a16:colId xmlns="" xmlns:a16="http://schemas.microsoft.com/office/drawing/2014/main" val="20009"/>
                     </a:ext>
                   </a:extLst>
                 </a:gridCol>
                 <a:gridCol w="704850">
                   <a:extLst>
                     <a:ext uri="{9D8B030D-6E8A-4147-A177-3AD203B41FA5}">
-                      <a16:colId xmlns:a16="http://schemas.microsoft.com/office/drawing/2014/main" xmlns="" val="20010"/>
+                      <a16:colId xmlns="" xmlns:a16="http://schemas.microsoft.com/office/drawing/2014/main" val="20010"/>
                     </a:ext>
                   </a:extLst>
                 </a:gridCol>
                 <a:gridCol w="704850">
                   <a:extLst>
                     <a:ext uri="{9D8B030D-6E8A-4147-A177-3AD203B41FA5}">
-                      <a16:colId xmlns:a16="http://schemas.microsoft.com/office/drawing/2014/main" xmlns="" val="20011"/>
+                      <a16:colId xmlns="" xmlns:a16="http://schemas.microsoft.com/office/drawing/2014/main" val="20011"/>
                     </a:ext>
                   </a:extLst>
                 </a:gridCol>
@@ -5378,7 +5379,7 @@
                 </a:tc>
                 <a:extLst>
                   <a:ext uri="{0D108BD9-81ED-4DB2-BD59-A6C34878D82A}">
-                    <a16:rowId xmlns:a16="http://schemas.microsoft.com/office/drawing/2014/main" xmlns="" val="10000"/>
+                    <a16:rowId xmlns="" xmlns:a16="http://schemas.microsoft.com/office/drawing/2014/main" val="10000"/>
                   </a:ext>
                 </a:extLst>
               </a:tr>
@@ -5414,21 +5415,21 @@
                 <a:gridCol w="2794000">
                   <a:extLst>
                     <a:ext uri="{9D8B030D-6E8A-4147-A177-3AD203B41FA5}">
-                      <a16:colId xmlns:a16="http://schemas.microsoft.com/office/drawing/2014/main" xmlns="" val="20000"/>
+                      <a16:colId xmlns="" xmlns:a16="http://schemas.microsoft.com/office/drawing/2014/main" val="20000"/>
                     </a:ext>
                   </a:extLst>
                 </a:gridCol>
                 <a:gridCol w="2794000">
                   <a:extLst>
                     <a:ext uri="{9D8B030D-6E8A-4147-A177-3AD203B41FA5}">
-                      <a16:colId xmlns:a16="http://schemas.microsoft.com/office/drawing/2014/main" xmlns="" val="20001"/>
+                      <a16:colId xmlns="" xmlns:a16="http://schemas.microsoft.com/office/drawing/2014/main" val="20001"/>
                     </a:ext>
                   </a:extLst>
                 </a:gridCol>
                 <a:gridCol w="2794000">
                   <a:extLst>
                     <a:ext uri="{9D8B030D-6E8A-4147-A177-3AD203B41FA5}">
-                      <a16:colId xmlns:a16="http://schemas.microsoft.com/office/drawing/2014/main" xmlns="" val="20002"/>
+                      <a16:colId xmlns="" xmlns:a16="http://schemas.microsoft.com/office/drawing/2014/main" val="20002"/>
                     </a:ext>
                   </a:extLst>
                 </a:gridCol>
@@ -5478,7 +5479,7 @@
                 </a:tc>
                 <a:extLst>
                   <a:ext uri="{0D108BD9-81ED-4DB2-BD59-A6C34878D82A}">
-                    <a16:rowId xmlns:a16="http://schemas.microsoft.com/office/drawing/2014/main" xmlns="" val="10000"/>
+                    <a16:rowId xmlns="" xmlns:a16="http://schemas.microsoft.com/office/drawing/2014/main" val="10000"/>
                   </a:ext>
                 </a:extLst>
               </a:tr>
@@ -5514,21 +5515,21 @@
                 <a:gridCol w="1752600">
                   <a:extLst>
                     <a:ext uri="{9D8B030D-6E8A-4147-A177-3AD203B41FA5}">
-                      <a16:colId xmlns:a16="http://schemas.microsoft.com/office/drawing/2014/main" xmlns="" val="20000"/>
+                      <a16:colId xmlns="" xmlns:a16="http://schemas.microsoft.com/office/drawing/2014/main" val="20000"/>
                     </a:ext>
                   </a:extLst>
                 </a:gridCol>
                 <a:gridCol w="4800600">
                   <a:extLst>
                     <a:ext uri="{9D8B030D-6E8A-4147-A177-3AD203B41FA5}">
-                      <a16:colId xmlns:a16="http://schemas.microsoft.com/office/drawing/2014/main" xmlns="" val="20001"/>
+                      <a16:colId xmlns="" xmlns:a16="http://schemas.microsoft.com/office/drawing/2014/main" val="20001"/>
                     </a:ext>
                   </a:extLst>
                 </a:gridCol>
                 <a:gridCol w="1828800">
                   <a:extLst>
                     <a:ext uri="{9D8B030D-6E8A-4147-A177-3AD203B41FA5}">
-                      <a16:colId xmlns:a16="http://schemas.microsoft.com/office/drawing/2014/main" xmlns="" val="20002"/>
+                      <a16:colId xmlns="" xmlns:a16="http://schemas.microsoft.com/office/drawing/2014/main" val="20002"/>
                     </a:ext>
                   </a:extLst>
                 </a:gridCol>
@@ -5578,7 +5579,7 @@
                 </a:tc>
                 <a:extLst>
                   <a:ext uri="{0D108BD9-81ED-4DB2-BD59-A6C34878D82A}">
-                    <a16:rowId xmlns:a16="http://schemas.microsoft.com/office/drawing/2014/main" xmlns="" val="10000"/>
+                    <a16:rowId xmlns="" xmlns:a16="http://schemas.microsoft.com/office/drawing/2014/main" val="10000"/>
                   </a:ext>
                 </a:extLst>
               </a:tr>
@@ -7730,6 +7731,100 @@
     <p:extLst>
       <p:ext uri="{BB962C8B-B14F-4D97-AF65-F5344CB8AC3E}">
         <p14:creationId xmlns:p14="http://schemas.microsoft.com/office/powerpoint/2010/main" val="951568766"/>
+      </p:ext>
+    </p:extLst>
+  </p:cSld>
+  <p:clrMapOvr>
+    <a:masterClrMapping/>
+  </p:clrMapOvr>
+</p:sld>
+</file>
+
+<file path=ppt/slides/slide31.xml><?xml version="1.0" encoding="utf-8"?>
+<p:sld xmlns:a="http://schemas.openxmlformats.org/drawingml/2006/main" xmlns:r="http://schemas.openxmlformats.org/officeDocument/2006/relationships" xmlns:p="http://schemas.openxmlformats.org/presentationml/2006/main">
+  <p:cSld>
+    <p:spTree>
+      <p:nvGrpSpPr>
+        <p:cNvPr id="1" name=""/>
+        <p:cNvGrpSpPr/>
+        <p:nvPr/>
+      </p:nvGrpSpPr>
+      <p:grpSpPr>
+        <a:xfrm>
+          <a:off x="0" y="0"/>
+          <a:ext cx="0" cy="0"/>
+          <a:chOff x="0" y="0"/>
+          <a:chExt cx="0" cy="0"/>
+        </a:xfrm>
+      </p:grpSpPr>
+      <p:pic>
+        <p:nvPicPr>
+          <p:cNvPr id="1026" name="Picture 2"/>
+          <p:cNvPicPr>
+            <a:picLocks noChangeAspect="1" noChangeArrowheads="1"/>
+          </p:cNvPicPr>
+          <p:nvPr/>
+        </p:nvPicPr>
+        <p:blipFill>
+          <a:blip r:embed="rId2">
+            <a:extLst>
+              <a:ext uri="{28A0092B-C50C-407E-A947-70E740481C1C}">
+                <a14:useLocalDpi xmlns:a14="http://schemas.microsoft.com/office/drawing/2010/main" val="0"/>
+              </a:ext>
+            </a:extLst>
+          </a:blip>
+          <a:srcRect/>
+          <a:stretch>
+            <a:fillRect/>
+          </a:stretch>
+        </p:blipFill>
+        <p:spPr bwMode="auto">
+          <a:xfrm>
+            <a:off x="228600" y="152400"/>
+            <a:ext cx="6629400" cy="6599227"/>
+          </a:xfrm>
+          <a:prstGeom prst="rect">
+            <a:avLst/>
+          </a:prstGeom>
+          <a:noFill/>
+          <a:ln>
+            <a:noFill/>
+          </a:ln>
+          <a:effectLst/>
+          <a:extLst>
+            <a:ext uri="{909E8E84-426E-40DD-AFC4-6F175D3DCCD1}">
+              <a14:hiddenFill xmlns:a14="http://schemas.microsoft.com/office/drawing/2010/main">
+                <a:solidFill>
+                  <a:schemeClr val="accent1"/>
+                </a:solidFill>
+              </a14:hiddenFill>
+            </a:ext>
+            <a:ext uri="{91240B29-F687-4F45-9708-019B960494DF}">
+              <a14:hiddenLine xmlns:a14="http://schemas.microsoft.com/office/drawing/2010/main" w="9525">
+                <a:solidFill>
+                  <a:schemeClr val="tx1"/>
+                </a:solidFill>
+                <a:miter lim="800000"/>
+                <a:headEnd/>
+                <a:tailEnd/>
+              </a14:hiddenLine>
+            </a:ext>
+            <a:ext uri="{AF507438-7753-43E0-B8FC-AC1667EBCBE1}">
+              <a14:hiddenEffects xmlns:a14="http://schemas.microsoft.com/office/drawing/2010/main">
+                <a:effectLst>
+                  <a:outerShdw dist="35921" dir="2700000" algn="ctr" rotWithShape="0">
+                    <a:schemeClr val="bg2"/>
+                  </a:outerShdw>
+                </a:effectLst>
+              </a14:hiddenEffects>
+            </a:ext>
+          </a:extLst>
+        </p:spPr>
+      </p:pic>
+    </p:spTree>
+    <p:extLst>
+      <p:ext uri="{BB962C8B-B14F-4D97-AF65-F5344CB8AC3E}">
+        <p14:creationId xmlns:p14="http://schemas.microsoft.com/office/powerpoint/2010/main" val="1942523375"/>
       </p:ext>
     </p:extLst>
   </p:cSld>

--- a/Bootstrap/Bootstrap_Notes.pptx
+++ b/Bootstrap/Bootstrap_Notes.pptx
@@ -36,6 +36,7 @@
     <p:sldId id="284" r:id="rId30"/>
     <p:sldId id="285" r:id="rId31"/>
     <p:sldId id="286" r:id="rId32"/>
+    <p:sldId id="287" r:id="rId33"/>
   </p:sldIdLst>
   <p:sldSz cx="9144000" cy="6858000" type="screen4x3"/>
   <p:notesSz cx="6858000" cy="9144000"/>
@@ -136,7 +137,7 @@
   </p:defaultTextStyle>
   <p:extLst>
     <p:ext uri="{EFAFB233-063F-42B5-8137-9DF3F51BA10A}">
-      <p15:sldGuideLst xmlns="" xmlns:p15="http://schemas.microsoft.com/office/powerpoint/2012/main">
+      <p15:sldGuideLst xmlns:p15="http://schemas.microsoft.com/office/powerpoint/2012/main" xmlns="">
         <p15:guide id="1" orient="horz" pos="2160">
           <p15:clr>
             <a:srgbClr val="A4A3A4"/>
@@ -333,7 +334,7 @@
             <a:fld id="{1D8BD707-D9CF-40AE-B4C6-C98DA3205C09}" type="datetimeFigureOut">
               <a:rPr lang="en-US" smtClean="0"/>
               <a:pPr/>
-              <a:t>11/15/2023</a:t>
+              <a:t>11/18/2023</a:t>
             </a:fld>
             <a:endParaRPr lang="en-US"/>
           </a:p>
@@ -498,7 +499,7 @@
             <a:fld id="{1D8BD707-D9CF-40AE-B4C6-C98DA3205C09}" type="datetimeFigureOut">
               <a:rPr lang="en-US" smtClean="0"/>
               <a:pPr/>
-              <a:t>11/15/2023</a:t>
+              <a:t>11/18/2023</a:t>
             </a:fld>
             <a:endParaRPr lang="en-US"/>
           </a:p>
@@ -673,7 +674,7 @@
             <a:fld id="{1D8BD707-D9CF-40AE-B4C6-C98DA3205C09}" type="datetimeFigureOut">
               <a:rPr lang="en-US" smtClean="0"/>
               <a:pPr/>
-              <a:t>11/15/2023</a:t>
+              <a:t>11/18/2023</a:t>
             </a:fld>
             <a:endParaRPr lang="en-US"/>
           </a:p>
@@ -838,7 +839,7 @@
             <a:fld id="{1D8BD707-D9CF-40AE-B4C6-C98DA3205C09}" type="datetimeFigureOut">
               <a:rPr lang="en-US" smtClean="0"/>
               <a:pPr/>
-              <a:t>11/15/2023</a:t>
+              <a:t>11/18/2023</a:t>
             </a:fld>
             <a:endParaRPr lang="en-US"/>
           </a:p>
@@ -1080,7 +1081,7 @@
             <a:fld id="{1D8BD707-D9CF-40AE-B4C6-C98DA3205C09}" type="datetimeFigureOut">
               <a:rPr lang="en-US" smtClean="0"/>
               <a:pPr/>
-              <a:t>11/15/2023</a:t>
+              <a:t>11/18/2023</a:t>
             </a:fld>
             <a:endParaRPr lang="en-US"/>
           </a:p>
@@ -1362,7 +1363,7 @@
             <a:fld id="{1D8BD707-D9CF-40AE-B4C6-C98DA3205C09}" type="datetimeFigureOut">
               <a:rPr lang="en-US" smtClean="0"/>
               <a:pPr/>
-              <a:t>11/15/2023</a:t>
+              <a:t>11/18/2023</a:t>
             </a:fld>
             <a:endParaRPr lang="en-US"/>
           </a:p>
@@ -1778,7 +1779,7 @@
             <a:fld id="{1D8BD707-D9CF-40AE-B4C6-C98DA3205C09}" type="datetimeFigureOut">
               <a:rPr lang="en-US" smtClean="0"/>
               <a:pPr/>
-              <a:t>11/15/2023</a:t>
+              <a:t>11/18/2023</a:t>
             </a:fld>
             <a:endParaRPr lang="en-US"/>
           </a:p>
@@ -1892,7 +1893,7 @@
             <a:fld id="{1D8BD707-D9CF-40AE-B4C6-C98DA3205C09}" type="datetimeFigureOut">
               <a:rPr lang="en-US" smtClean="0"/>
               <a:pPr/>
-              <a:t>11/15/2023</a:t>
+              <a:t>11/18/2023</a:t>
             </a:fld>
             <a:endParaRPr lang="en-US"/>
           </a:p>
@@ -1984,7 +1985,7 @@
             <a:fld id="{1D8BD707-D9CF-40AE-B4C6-C98DA3205C09}" type="datetimeFigureOut">
               <a:rPr lang="en-US" smtClean="0"/>
               <a:pPr/>
-              <a:t>11/15/2023</a:t>
+              <a:t>11/18/2023</a:t>
             </a:fld>
             <a:endParaRPr lang="en-US"/>
           </a:p>
@@ -2256,7 +2257,7 @@
             <a:fld id="{1D8BD707-D9CF-40AE-B4C6-C98DA3205C09}" type="datetimeFigureOut">
               <a:rPr lang="en-US" smtClean="0"/>
               <a:pPr/>
-              <a:t>11/15/2023</a:t>
+              <a:t>11/18/2023</a:t>
             </a:fld>
             <a:endParaRPr lang="en-US"/>
           </a:p>
@@ -2505,7 +2506,7 @@
             <a:fld id="{1D8BD707-D9CF-40AE-B4C6-C98DA3205C09}" type="datetimeFigureOut">
               <a:rPr lang="en-US" smtClean="0"/>
               <a:pPr/>
-              <a:t>11/15/2023</a:t>
+              <a:t>11/18/2023</a:t>
             </a:fld>
             <a:endParaRPr lang="en-US"/>
           </a:p>
@@ -2713,7 +2714,7 @@
             <a:fld id="{1D8BD707-D9CF-40AE-B4C6-C98DA3205C09}" type="datetimeFigureOut">
               <a:rPr lang="en-US" smtClean="0"/>
               <a:pPr/>
-              <a:t>11/15/2023</a:t>
+              <a:t>11/18/2023</a:t>
             </a:fld>
             <a:endParaRPr lang="en-US"/>
           </a:p>
@@ -5126,84 +5127,84 @@
                 <a:gridCol w="704850">
                   <a:extLst>
                     <a:ext uri="{9D8B030D-6E8A-4147-A177-3AD203B41FA5}">
-                      <a16:colId xmlns="" xmlns:a16="http://schemas.microsoft.com/office/drawing/2014/main" val="20000"/>
+                      <a16:colId xmlns:a16="http://schemas.microsoft.com/office/drawing/2014/main" xmlns="" val="20000"/>
                     </a:ext>
                   </a:extLst>
                 </a:gridCol>
                 <a:gridCol w="704850">
                   <a:extLst>
                     <a:ext uri="{9D8B030D-6E8A-4147-A177-3AD203B41FA5}">
-                      <a16:colId xmlns="" xmlns:a16="http://schemas.microsoft.com/office/drawing/2014/main" val="20001"/>
+                      <a16:colId xmlns:a16="http://schemas.microsoft.com/office/drawing/2014/main" xmlns="" val="20001"/>
                     </a:ext>
                   </a:extLst>
                 </a:gridCol>
                 <a:gridCol w="704850">
                   <a:extLst>
                     <a:ext uri="{9D8B030D-6E8A-4147-A177-3AD203B41FA5}">
-                      <a16:colId xmlns="" xmlns:a16="http://schemas.microsoft.com/office/drawing/2014/main" val="20002"/>
+                      <a16:colId xmlns:a16="http://schemas.microsoft.com/office/drawing/2014/main" xmlns="" val="20002"/>
                     </a:ext>
                   </a:extLst>
                 </a:gridCol>
                 <a:gridCol w="704850">
                   <a:extLst>
                     <a:ext uri="{9D8B030D-6E8A-4147-A177-3AD203B41FA5}">
-                      <a16:colId xmlns="" xmlns:a16="http://schemas.microsoft.com/office/drawing/2014/main" val="20003"/>
+                      <a16:colId xmlns:a16="http://schemas.microsoft.com/office/drawing/2014/main" xmlns="" val="20003"/>
                     </a:ext>
                   </a:extLst>
                 </a:gridCol>
                 <a:gridCol w="704850">
                   <a:extLst>
                     <a:ext uri="{9D8B030D-6E8A-4147-A177-3AD203B41FA5}">
-                      <a16:colId xmlns="" xmlns:a16="http://schemas.microsoft.com/office/drawing/2014/main" val="20004"/>
+                      <a16:colId xmlns:a16="http://schemas.microsoft.com/office/drawing/2014/main" xmlns="" val="20004"/>
                     </a:ext>
                   </a:extLst>
                 </a:gridCol>
                 <a:gridCol w="704850">
                   <a:extLst>
                     <a:ext uri="{9D8B030D-6E8A-4147-A177-3AD203B41FA5}">
-                      <a16:colId xmlns="" xmlns:a16="http://schemas.microsoft.com/office/drawing/2014/main" val="20005"/>
+                      <a16:colId xmlns:a16="http://schemas.microsoft.com/office/drawing/2014/main" xmlns="" val="20005"/>
                     </a:ext>
                   </a:extLst>
                 </a:gridCol>
                 <a:gridCol w="704850">
                   <a:extLst>
                     <a:ext uri="{9D8B030D-6E8A-4147-A177-3AD203B41FA5}">
-                      <a16:colId xmlns="" xmlns:a16="http://schemas.microsoft.com/office/drawing/2014/main" val="20006"/>
+                      <a16:colId xmlns:a16="http://schemas.microsoft.com/office/drawing/2014/main" xmlns="" val="20006"/>
                     </a:ext>
                   </a:extLst>
                 </a:gridCol>
                 <a:gridCol w="704850">
                   <a:extLst>
                     <a:ext uri="{9D8B030D-6E8A-4147-A177-3AD203B41FA5}">
-                      <a16:colId xmlns="" xmlns:a16="http://schemas.microsoft.com/office/drawing/2014/main" val="20007"/>
+                      <a16:colId xmlns:a16="http://schemas.microsoft.com/office/drawing/2014/main" xmlns="" val="20007"/>
                     </a:ext>
                   </a:extLst>
                 </a:gridCol>
                 <a:gridCol w="704850">
                   <a:extLst>
                     <a:ext uri="{9D8B030D-6E8A-4147-A177-3AD203B41FA5}">
-                      <a16:colId xmlns="" xmlns:a16="http://schemas.microsoft.com/office/drawing/2014/main" val="20008"/>
+                      <a16:colId xmlns:a16="http://schemas.microsoft.com/office/drawing/2014/main" xmlns="" val="20008"/>
                     </a:ext>
                   </a:extLst>
                 </a:gridCol>
                 <a:gridCol w="704850">
                   <a:extLst>
                     <a:ext uri="{9D8B030D-6E8A-4147-A177-3AD203B41FA5}">
-                      <a16:colId xmlns="" xmlns:a16="http://schemas.microsoft.com/office/drawing/2014/main" val="20009"/>
+                      <a16:colId xmlns:a16="http://schemas.microsoft.com/office/drawing/2014/main" xmlns="" val="20009"/>
                     </a:ext>
                   </a:extLst>
                 </a:gridCol>
                 <a:gridCol w="704850">
                   <a:extLst>
                     <a:ext uri="{9D8B030D-6E8A-4147-A177-3AD203B41FA5}">
-                      <a16:colId xmlns="" xmlns:a16="http://schemas.microsoft.com/office/drawing/2014/main" val="20010"/>
+                      <a16:colId xmlns:a16="http://schemas.microsoft.com/office/drawing/2014/main" xmlns="" val="20010"/>
                     </a:ext>
                   </a:extLst>
                 </a:gridCol>
                 <a:gridCol w="704850">
                   <a:extLst>
                     <a:ext uri="{9D8B030D-6E8A-4147-A177-3AD203B41FA5}">
-                      <a16:colId xmlns="" xmlns:a16="http://schemas.microsoft.com/office/drawing/2014/main" val="20011"/>
+                      <a16:colId xmlns:a16="http://schemas.microsoft.com/office/drawing/2014/main" xmlns="" val="20011"/>
                     </a:ext>
                   </a:extLst>
                 </a:gridCol>
@@ -5379,7 +5380,7 @@
                 </a:tc>
                 <a:extLst>
                   <a:ext uri="{0D108BD9-81ED-4DB2-BD59-A6C34878D82A}">
-                    <a16:rowId xmlns="" xmlns:a16="http://schemas.microsoft.com/office/drawing/2014/main" val="10000"/>
+                    <a16:rowId xmlns:a16="http://schemas.microsoft.com/office/drawing/2014/main" xmlns="" val="10000"/>
                   </a:ext>
                 </a:extLst>
               </a:tr>
@@ -5415,21 +5416,21 @@
                 <a:gridCol w="2794000">
                   <a:extLst>
                     <a:ext uri="{9D8B030D-6E8A-4147-A177-3AD203B41FA5}">
-                      <a16:colId xmlns="" xmlns:a16="http://schemas.microsoft.com/office/drawing/2014/main" val="20000"/>
+                      <a16:colId xmlns:a16="http://schemas.microsoft.com/office/drawing/2014/main" xmlns="" val="20000"/>
                     </a:ext>
                   </a:extLst>
                 </a:gridCol>
                 <a:gridCol w="2794000">
                   <a:extLst>
                     <a:ext uri="{9D8B030D-6E8A-4147-A177-3AD203B41FA5}">
-                      <a16:colId xmlns="" xmlns:a16="http://schemas.microsoft.com/office/drawing/2014/main" val="20001"/>
+                      <a16:colId xmlns:a16="http://schemas.microsoft.com/office/drawing/2014/main" xmlns="" val="20001"/>
                     </a:ext>
                   </a:extLst>
                 </a:gridCol>
                 <a:gridCol w="2794000">
                   <a:extLst>
                     <a:ext uri="{9D8B030D-6E8A-4147-A177-3AD203B41FA5}">
-                      <a16:colId xmlns="" xmlns:a16="http://schemas.microsoft.com/office/drawing/2014/main" val="20002"/>
+                      <a16:colId xmlns:a16="http://schemas.microsoft.com/office/drawing/2014/main" xmlns="" val="20002"/>
                     </a:ext>
                   </a:extLst>
                 </a:gridCol>
@@ -5479,7 +5480,7 @@
                 </a:tc>
                 <a:extLst>
                   <a:ext uri="{0D108BD9-81ED-4DB2-BD59-A6C34878D82A}">
-                    <a16:rowId xmlns="" xmlns:a16="http://schemas.microsoft.com/office/drawing/2014/main" val="10000"/>
+                    <a16:rowId xmlns:a16="http://schemas.microsoft.com/office/drawing/2014/main" xmlns="" val="10000"/>
                   </a:ext>
                 </a:extLst>
               </a:tr>
@@ -5515,21 +5516,21 @@
                 <a:gridCol w="1752600">
                   <a:extLst>
                     <a:ext uri="{9D8B030D-6E8A-4147-A177-3AD203B41FA5}">
-                      <a16:colId xmlns="" xmlns:a16="http://schemas.microsoft.com/office/drawing/2014/main" val="20000"/>
+                      <a16:colId xmlns:a16="http://schemas.microsoft.com/office/drawing/2014/main" xmlns="" val="20000"/>
                     </a:ext>
                   </a:extLst>
                 </a:gridCol>
                 <a:gridCol w="4800600">
                   <a:extLst>
                     <a:ext uri="{9D8B030D-6E8A-4147-A177-3AD203B41FA5}">
-                      <a16:colId xmlns="" xmlns:a16="http://schemas.microsoft.com/office/drawing/2014/main" val="20001"/>
+                      <a16:colId xmlns:a16="http://schemas.microsoft.com/office/drawing/2014/main" xmlns="" val="20001"/>
                     </a:ext>
                   </a:extLst>
                 </a:gridCol>
                 <a:gridCol w="1828800">
                   <a:extLst>
                     <a:ext uri="{9D8B030D-6E8A-4147-A177-3AD203B41FA5}">
-                      <a16:colId xmlns="" xmlns:a16="http://schemas.microsoft.com/office/drawing/2014/main" val="20002"/>
+                      <a16:colId xmlns:a16="http://schemas.microsoft.com/office/drawing/2014/main" xmlns="" val="20002"/>
                     </a:ext>
                   </a:extLst>
                 </a:gridCol>
@@ -5579,7 +5580,7 @@
                 </a:tc>
                 <a:extLst>
                   <a:ext uri="{0D108BD9-81ED-4DB2-BD59-A6C34878D82A}">
-                    <a16:rowId xmlns="" xmlns:a16="http://schemas.microsoft.com/office/drawing/2014/main" val="10000"/>
+                    <a16:rowId xmlns:a16="http://schemas.microsoft.com/office/drawing/2014/main" xmlns="" val="10000"/>
                   </a:ext>
                 </a:extLst>
               </a:tr>
@@ -7825,6 +7826,138 @@
     <p:extLst>
       <p:ext uri="{BB962C8B-B14F-4D97-AF65-F5344CB8AC3E}">
         <p14:creationId xmlns:p14="http://schemas.microsoft.com/office/powerpoint/2010/main" val="1942523375"/>
+      </p:ext>
+    </p:extLst>
+  </p:cSld>
+  <p:clrMapOvr>
+    <a:masterClrMapping/>
+  </p:clrMapOvr>
+</p:sld>
+</file>
+
+<file path=ppt/slides/slide32.xml><?xml version="1.0" encoding="utf-8"?>
+<p:sld xmlns:a="http://schemas.openxmlformats.org/drawingml/2006/main" xmlns:r="http://schemas.openxmlformats.org/officeDocument/2006/relationships" xmlns:p="http://schemas.openxmlformats.org/presentationml/2006/main">
+  <p:cSld>
+    <p:spTree>
+      <p:nvGrpSpPr>
+        <p:cNvPr id="1" name=""/>
+        <p:cNvGrpSpPr/>
+        <p:nvPr/>
+      </p:nvGrpSpPr>
+      <p:grpSpPr>
+        <a:xfrm>
+          <a:off x="0" y="0"/>
+          <a:ext cx="0" cy="0"/>
+          <a:chOff x="0" y="0"/>
+          <a:chExt cx="0" cy="0"/>
+        </a:xfrm>
+      </p:grpSpPr>
+      <p:pic>
+        <p:nvPicPr>
+          <p:cNvPr id="1026" name="Picture 2"/>
+          <p:cNvPicPr>
+            <a:picLocks noChangeAspect="1" noChangeArrowheads="1"/>
+          </p:cNvPicPr>
+          <p:nvPr/>
+        </p:nvPicPr>
+        <p:blipFill>
+          <a:blip r:embed="rId2">
+            <a:extLst>
+              <a:ext uri="{28A0092B-C50C-407E-A947-70E740481C1C}">
+                <a14:useLocalDpi xmlns:a14="http://schemas.microsoft.com/office/drawing/2010/main" val="0"/>
+              </a:ext>
+            </a:extLst>
+          </a:blip>
+          <a:srcRect/>
+          <a:stretch>
+            <a:fillRect/>
+          </a:stretch>
+        </p:blipFill>
+        <p:spPr bwMode="auto">
+          <a:xfrm>
+            <a:off x="304799" y="579437"/>
+            <a:ext cx="6221413" cy="6202363"/>
+          </a:xfrm>
+          <a:prstGeom prst="rect">
+            <a:avLst/>
+          </a:prstGeom>
+          <a:noFill/>
+          <a:ln>
+            <a:noFill/>
+          </a:ln>
+          <a:effectLst/>
+          <a:extLst>
+            <a:ext uri="{909E8E84-426E-40DD-AFC4-6F175D3DCCD1}">
+              <a14:hiddenFill xmlns:a14="http://schemas.microsoft.com/office/drawing/2010/main">
+                <a:solidFill>
+                  <a:schemeClr val="accent1"/>
+                </a:solidFill>
+              </a14:hiddenFill>
+            </a:ext>
+            <a:ext uri="{91240B29-F687-4F45-9708-019B960494DF}">
+              <a14:hiddenLine xmlns:a14="http://schemas.microsoft.com/office/drawing/2010/main" w="9525">
+                <a:solidFill>
+                  <a:schemeClr val="tx1"/>
+                </a:solidFill>
+                <a:miter lim="800000"/>
+                <a:headEnd/>
+                <a:tailEnd/>
+              </a14:hiddenLine>
+            </a:ext>
+            <a:ext uri="{AF507438-7753-43E0-B8FC-AC1667EBCBE1}">
+              <a14:hiddenEffects xmlns:a14="http://schemas.microsoft.com/office/drawing/2010/main">
+                <a:effectLst>
+                  <a:outerShdw dist="35921" dir="2700000" algn="ctr" rotWithShape="0">
+                    <a:schemeClr val="bg2"/>
+                  </a:outerShdw>
+                </a:effectLst>
+              </a14:hiddenEffects>
+            </a:ext>
+          </a:extLst>
+        </p:spPr>
+      </p:pic>
+      <p:sp>
+        <p:nvSpPr>
+          <p:cNvPr id="2" name="TextBox 1"/>
+          <p:cNvSpPr txBox="1"/>
+          <p:nvPr/>
+        </p:nvSpPr>
+        <p:spPr>
+          <a:xfrm>
+            <a:off x="228600" y="76200"/>
+            <a:ext cx="5334000" cy="381000"/>
+          </a:xfrm>
+          <a:prstGeom prst="rect">
+            <a:avLst/>
+          </a:prstGeom>
+          <a:noFill/>
+        </p:spPr>
+        <p:txBody>
+          <a:bodyPr wrap="square" rtlCol="0">
+            <a:spAutoFit/>
+          </a:bodyPr>
+          <a:lstStyle/>
+          <a:p>
+            <a:r>
+              <a:rPr lang="en-IN" b="1" dirty="0" smtClean="0">
+                <a:solidFill>
+                  <a:srgbClr val="C00000"/>
+                </a:solidFill>
+              </a:rPr>
+              <a:t>Difference between CLASS and ID</a:t>
+            </a:r>
+            <a:endParaRPr lang="en-IN" b="1" dirty="0">
+              <a:solidFill>
+                <a:srgbClr val="C00000"/>
+              </a:solidFill>
+            </a:endParaRPr>
+          </a:p>
+        </p:txBody>
+      </p:sp>
+    </p:spTree>
+    <p:extLst>
+      <p:ext uri="{BB962C8B-B14F-4D97-AF65-F5344CB8AC3E}">
+        <p14:creationId xmlns:p14="http://schemas.microsoft.com/office/powerpoint/2010/main" val="812955411"/>
       </p:ext>
     </p:extLst>
   </p:cSld>
@@ -8551,6 +8684,90 @@
           </a:p>
         </p:txBody>
       </p:sp>
+      <p:sp>
+        <p:nvSpPr>
+          <p:cNvPr id="2" name="Rectangle 1"/>
+          <p:cNvSpPr/>
+          <p:nvPr/>
+        </p:nvSpPr>
+        <p:spPr>
+          <a:xfrm>
+            <a:off x="4495800" y="1752600"/>
+            <a:ext cx="990600" cy="609600"/>
+          </a:xfrm>
+          <a:prstGeom prst="rect">
+            <a:avLst/>
+          </a:prstGeom>
+          <a:noFill/>
+          <a:ln>
+            <a:solidFill>
+              <a:srgbClr val="C00000"/>
+            </a:solidFill>
+          </a:ln>
+        </p:spPr>
+        <p:style>
+          <a:lnRef idx="2">
+            <a:schemeClr val="accent1">
+              <a:shade val="50000"/>
+            </a:schemeClr>
+          </a:lnRef>
+          <a:fillRef idx="1">
+            <a:schemeClr val="accent1"/>
+          </a:fillRef>
+          <a:effectRef idx="0">
+            <a:schemeClr val="accent1"/>
+          </a:effectRef>
+          <a:fontRef idx="minor">
+            <a:schemeClr val="lt1"/>
+          </a:fontRef>
+        </p:style>
+        <p:txBody>
+          <a:bodyPr rtlCol="0" anchor="ctr"/>
+          <a:lstStyle/>
+          <a:p>
+            <a:pPr algn="ctr"/>
+            <a:endParaRPr lang="en-IN"/>
+          </a:p>
+        </p:txBody>
+      </p:sp>
+      <p:sp>
+        <p:nvSpPr>
+          <p:cNvPr id="4" name="TextBox 3"/>
+          <p:cNvSpPr txBox="1"/>
+          <p:nvPr/>
+        </p:nvSpPr>
+        <p:spPr>
+          <a:xfrm>
+            <a:off x="4948237" y="1252537"/>
+            <a:ext cx="3537681" cy="369332"/>
+          </a:xfrm>
+          <a:prstGeom prst="rect">
+            <a:avLst/>
+          </a:prstGeom>
+          <a:noFill/>
+        </p:spPr>
+        <p:txBody>
+          <a:bodyPr wrap="square" rtlCol="0">
+            <a:spAutoFit/>
+          </a:bodyPr>
+          <a:lstStyle/>
+          <a:p>
+            <a:r>
+              <a:rPr lang="en-IN" b="1" dirty="0" smtClean="0">
+                <a:solidFill>
+                  <a:srgbClr val="C00000"/>
+                </a:solidFill>
+              </a:rPr>
+              <a:t>Project/Website/Application Name</a:t>
+            </a:r>
+            <a:endParaRPr lang="en-IN" b="1" dirty="0">
+              <a:solidFill>
+                <a:srgbClr val="C00000"/>
+              </a:solidFill>
+            </a:endParaRPr>
+          </a:p>
+        </p:txBody>
+      </p:sp>
     </p:spTree>
     <p:extLst>
       <p:ext uri="{BB962C8B-B14F-4D97-AF65-F5344CB8AC3E}">
